--- a/assets/cmis102/code/casino.pptx
+++ b/assets/cmis102/code/casino.pptx
@@ -15,6 +15,7 @@
     <p:sldId id="270" r:id="rId9"/>
     <p:sldId id="266" r:id="rId10"/>
     <p:sldId id="265" r:id="rId11"/>
+    <p:sldId id="271" r:id="rId12"/>
   </p:sldIdLst>
   <p:sldSz cx="12192000" cy="6858000"/>
   <p:notesSz cx="6858000" cy="9144000"/>
@@ -3995,11 +3996,19 @@
             <a:pPr algn="ctr"/>
             <a:r>
               <a:rPr lang="en-US" sz="1400" dirty="0"/>
-              <a:t>Call function Chip Total = </a:t>
+              <a:t>Call function </a:t>
             </a:r>
             <a:r>
               <a:rPr lang="en-US" sz="1400" dirty="0" err="1"/>
-              <a:t>getReceipts</a:t>
+              <a:t>ChipTotal</a:t>
+            </a:r>
+            <a:r>
+              <a:rPr lang="en-US" sz="1400" dirty="0"/>
+              <a:t> = </a:t>
+            </a:r>
+            <a:r>
+              <a:rPr lang="en-US" sz="1400" dirty="0" err="1"/>
+              <a:t>getChips</a:t>
             </a:r>
             <a:r>
               <a:rPr lang="en-US" sz="1400" dirty="0"/>
@@ -4554,7 +4563,7 @@
             <a:avLst/>
           </a:prstGeom>
           <a:solidFill>
-            <a:srgbClr val="C00000"/>
+            <a:srgbClr val="FF0000"/>
           </a:solidFill>
           <a:ln w="28575"/>
         </p:spPr>
@@ -5016,100 +5025,6 @@
       </p:sp>
       <p:sp>
         <p:nvSpPr>
-          <p:cNvPr id="102" name="Data 101">
-            <a:extLst>
-              <a:ext uri="{FF2B5EF4-FFF2-40B4-BE49-F238E27FC236}">
-                <a16:creationId xmlns:a16="http://schemas.microsoft.com/office/drawing/2014/main" id="{9CECB543-4DBF-C14B-BE95-5496371D6DB5}"/>
-              </a:ext>
-            </a:extLst>
-          </p:cNvPr>
-          <p:cNvSpPr/>
-          <p:nvPr/>
-        </p:nvSpPr>
-        <p:spPr>
-          <a:xfrm>
-            <a:off x="4990674" y="1802077"/>
-            <a:ext cx="2105777" cy="280654"/>
-          </a:xfrm>
-          <a:prstGeom prst="flowChartInputOutput">
-            <a:avLst/>
-          </a:prstGeom>
-        </p:spPr>
-        <p:style>
-          <a:lnRef idx="2">
-            <a:schemeClr val="accent6"/>
-          </a:lnRef>
-          <a:fillRef idx="1">
-            <a:schemeClr val="lt1"/>
-          </a:fillRef>
-          <a:effectRef idx="0">
-            <a:schemeClr val="accent6"/>
-          </a:effectRef>
-          <a:fontRef idx="minor">
-            <a:schemeClr val="dk1"/>
-          </a:fontRef>
-        </p:style>
-        <p:txBody>
-          <a:bodyPr rtlCol="0" anchor="ctr"/>
-          <a:lstStyle/>
-          <a:p>
-            <a:pPr algn="ctr"/>
-            <a:r>
-              <a:rPr lang="en-US" sz="1400" dirty="0"/>
-              <a:t>Enter Receipt</a:t>
-            </a:r>
-          </a:p>
-        </p:txBody>
-      </p:sp>
-      <p:sp>
-        <p:nvSpPr>
-          <p:cNvPr id="105" name="Data 104">
-            <a:extLst>
-              <a:ext uri="{FF2B5EF4-FFF2-40B4-BE49-F238E27FC236}">
-                <a16:creationId xmlns:a16="http://schemas.microsoft.com/office/drawing/2014/main" id="{92E7DE5E-186F-2842-9D72-DE910997D37C}"/>
-              </a:ext>
-            </a:extLst>
-          </p:cNvPr>
-          <p:cNvSpPr/>
-          <p:nvPr/>
-        </p:nvSpPr>
-        <p:spPr>
-          <a:xfrm>
-            <a:off x="4494393" y="6391038"/>
-            <a:ext cx="2105777" cy="280654"/>
-          </a:xfrm>
-          <a:prstGeom prst="flowChartInputOutput">
-            <a:avLst/>
-          </a:prstGeom>
-        </p:spPr>
-        <p:style>
-          <a:lnRef idx="2">
-            <a:schemeClr val="accent6"/>
-          </a:lnRef>
-          <a:fillRef idx="1">
-            <a:schemeClr val="lt1"/>
-          </a:fillRef>
-          <a:effectRef idx="0">
-            <a:schemeClr val="accent6"/>
-          </a:effectRef>
-          <a:fontRef idx="minor">
-            <a:schemeClr val="dk1"/>
-          </a:fontRef>
-        </p:style>
-        <p:txBody>
-          <a:bodyPr rtlCol="0" anchor="ctr"/>
-          <a:lstStyle/>
-          <a:p>
-            <a:pPr algn="ctr"/>
-            <a:r>
-              <a:rPr lang="en-US" sz="1400" dirty="0"/>
-              <a:t>Enter Receipt</a:t>
-            </a:r>
-          </a:p>
-        </p:txBody>
-      </p:sp>
-      <p:sp>
-        <p:nvSpPr>
           <p:cNvPr id="107" name="Oval 106">
             <a:extLst>
               <a:ext uri="{FF2B5EF4-FFF2-40B4-BE49-F238E27FC236}">
@@ -5171,14 +5086,14 @@
           <p:cNvCxnSpPr>
             <a:cxnSpLocks/>
             <a:stCxn id="107" idx="4"/>
-            <a:endCxn id="102" idx="1"/>
+            <a:endCxn id="214" idx="0"/>
           </p:cNvCxnSpPr>
           <p:nvPr/>
         </p:nvCxnSpPr>
         <p:spPr>
           <a:xfrm flipH="1">
-            <a:off x="6043563" y="1569122"/>
-            <a:ext cx="2784" cy="232955"/>
+            <a:off x="6035040" y="1569122"/>
+            <a:ext cx="11307" cy="188936"/>
           </a:xfrm>
           <a:prstGeom prst="straightConnector1">
             <a:avLst/>
@@ -5251,8 +5166,21 @@
                   <a:schemeClr val="bg1"/>
                 </a:solidFill>
               </a:rPr>
-              <a:t>Sum = Sum + Receipt</a:t>
-            </a:r>
+              <a:t>Sum = Sum + </a:t>
+            </a:r>
+            <a:r>
+              <a:rPr lang="en-US" sz="1400" dirty="0" err="1">
+                <a:solidFill>
+                  <a:schemeClr val="bg1"/>
+                </a:solidFill>
+              </a:rPr>
+              <a:t>Rct</a:t>
+            </a:r>
+            <a:endParaRPr lang="en-US" sz="1400" dirty="0">
+              <a:solidFill>
+                <a:schemeClr val="bg1"/>
+              </a:solidFill>
+            </a:endParaRPr>
           </a:p>
           <a:p>
             <a:pPr algn="ctr"/>
@@ -5281,7 +5209,7 @@
         </p:nvSpPr>
         <p:spPr>
           <a:xfrm>
-            <a:off x="6705600" y="5684099"/>
+            <a:off x="6829232" y="5684099"/>
             <a:ext cx="1397224" cy="423292"/>
           </a:xfrm>
           <a:prstGeom prst="flowChartTerminator">
@@ -5334,15 +5262,15 @@
           </p:cNvPr>
           <p:cNvCxnSpPr>
             <a:cxnSpLocks/>
-            <a:stCxn id="102" idx="4"/>
+            <a:stCxn id="214" idx="2"/>
             <a:endCxn id="134" idx="0"/>
           </p:cNvCxnSpPr>
           <p:nvPr/>
         </p:nvCxnSpPr>
         <p:spPr>
-          <a:xfrm flipH="1">
-            <a:off x="6043560" y="2082731"/>
-            <a:ext cx="3" cy="278791"/>
+          <a:xfrm>
+            <a:off x="6035040" y="2169538"/>
+            <a:ext cx="14309" cy="191984"/>
           </a:xfrm>
           <a:prstGeom prst="straightConnector1">
             <a:avLst/>
@@ -5387,8 +5315,8 @@
         </p:nvCxnSpPr>
         <p:spPr>
           <a:xfrm flipH="1">
-            <a:off x="6038621" y="3504765"/>
-            <a:ext cx="4940" cy="441926"/>
+            <a:off x="6035419" y="3504765"/>
+            <a:ext cx="8142" cy="441926"/>
           </a:xfrm>
           <a:prstGeom prst="straightConnector1">
             <a:avLst/>
@@ -5438,7 +5366,7 @@
           <a:prstGeom prst="bentConnector4">
             <a:avLst>
               <a:gd name="adj1" fmla="val -5850"/>
-              <a:gd name="adj2" fmla="val 1327911"/>
+              <a:gd name="adj2" fmla="val 1470686"/>
             </a:avLst>
           </a:prstGeom>
           <a:ln w="31750">
@@ -5477,8 +5405,8 @@
         </p:nvSpPr>
         <p:spPr>
           <a:xfrm>
-            <a:off x="4803977" y="3946691"/>
-            <a:ext cx="2469288" cy="561309"/>
+            <a:off x="4656472" y="3946691"/>
+            <a:ext cx="2757894" cy="561309"/>
           </a:xfrm>
           <a:prstGeom prst="flowChartDisplay">
             <a:avLst/>
@@ -5512,8 +5440,13 @@
             </a:br>
             <a:r>
               <a:rPr lang="en-US" sz="1400" dirty="0"/>
-              <a:t>Receipt # = Receipt</a:t>
-            </a:r>
+              <a:t>Receipt #Count = </a:t>
+            </a:r>
+            <a:r>
+              <a:rPr lang="en-US" sz="1400" dirty="0" err="1"/>
+              <a:t>Rct</a:t>
+            </a:r>
+            <a:endParaRPr lang="en-US" sz="1400" dirty="0"/>
           </a:p>
         </p:txBody>
       </p:sp>
@@ -5531,8 +5464,8 @@
         </p:nvSpPr>
         <p:spPr>
           <a:xfrm>
-            <a:off x="5221161" y="2361522"/>
-            <a:ext cx="1644797" cy="295936"/>
+            <a:off x="5015566" y="2361522"/>
+            <a:ext cx="2067566" cy="405502"/>
           </a:xfrm>
           <a:prstGeom prst="flowChartProcess">
             <a:avLst/>
@@ -5563,8 +5496,21 @@
                   <a:schemeClr val="bg1"/>
                 </a:solidFill>
               </a:rPr>
-              <a:t>Convert Str to Int</a:t>
-            </a:r>
+              <a:t>Convert Str to Int </a:t>
+            </a:r>
+            <a:r>
+              <a:rPr lang="en-US" sz="1400" dirty="0" err="1">
+                <a:solidFill>
+                  <a:schemeClr val="bg1"/>
+                </a:solidFill>
+              </a:rPr>
+              <a:t>Rct</a:t>
+            </a:r>
+            <a:endParaRPr lang="en-US" sz="1400" dirty="0">
+              <a:solidFill>
+                <a:schemeClr val="bg1"/>
+              </a:solidFill>
+            </a:endParaRPr>
           </a:p>
         </p:txBody>
       </p:sp>
@@ -5586,8 +5532,8 @@
         </p:nvCxnSpPr>
         <p:spPr>
           <a:xfrm>
-            <a:off x="6038621" y="4508000"/>
-            <a:ext cx="1" cy="307703"/>
+            <a:off x="6035419" y="4508000"/>
+            <a:ext cx="3203" cy="307703"/>
           </a:xfrm>
           <a:prstGeom prst="straightConnector1">
             <a:avLst/>
@@ -5633,7 +5579,7 @@
         <p:spPr>
           <a:xfrm>
             <a:off x="7185018" y="3224111"/>
-            <a:ext cx="219194" cy="2459988"/>
+            <a:ext cx="342826" cy="2459988"/>
           </a:xfrm>
           <a:prstGeom prst="bentConnector2">
             <a:avLst/>
@@ -5677,9 +5623,9 @@
           <p:nvPr/>
         </p:nvCxnSpPr>
         <p:spPr>
-          <a:xfrm>
-            <a:off x="6043560" y="2657458"/>
-            <a:ext cx="1" cy="285998"/>
+          <a:xfrm flipH="1">
+            <a:off x="6043561" y="2767024"/>
+            <a:ext cx="5788" cy="176432"/>
           </a:xfrm>
           <a:prstGeom prst="straightConnector1">
             <a:avLst/>
@@ -5835,7 +5781,23 @@
                   <a:schemeClr val="tx1"/>
                 </a:solidFill>
               </a:rPr>
-              <a:t>(Color,  Value)</a:t>
+              <a:t>(</a:t>
+            </a:r>
+            <a:r>
+              <a:rPr lang="en-US" sz="1400" dirty="0" err="1">
+                <a:solidFill>
+                  <a:schemeClr val="tx1"/>
+                </a:solidFill>
+              </a:rPr>
+              <a:t>Clr</a:t>
+            </a:r>
+            <a:r>
+              <a:rPr lang="en-US" sz="1400" dirty="0">
+                <a:solidFill>
+                  <a:schemeClr val="tx1"/>
+                </a:solidFill>
+              </a:rPr>
+              <a:t>,  Val)</a:t>
             </a:r>
           </a:p>
         </p:txBody>
@@ -5854,8 +5816,8 @@
         </p:nvSpPr>
         <p:spPr>
           <a:xfrm>
-            <a:off x="8885492" y="899636"/>
-            <a:ext cx="1752209" cy="304576"/>
+            <a:off x="8738012" y="948404"/>
+            <a:ext cx="2045993" cy="304576"/>
           </a:xfrm>
           <a:prstGeom prst="flowChartProcess">
             <a:avLst/>
@@ -5886,7 +5848,7 @@
                   <a:schemeClr val="bg1"/>
                 </a:solidFill>
               </a:rPr>
-              <a:t>Sum = 0, Count = 0</a:t>
+              <a:t>Sum = 0, Count = 0, Qty</a:t>
             </a:r>
           </a:p>
         </p:txBody>
@@ -5909,8 +5871,8 @@
         </p:nvCxnSpPr>
         <p:spPr>
           <a:xfrm flipH="1">
-            <a:off x="9761597" y="741712"/>
-            <a:ext cx="588" cy="157924"/>
+            <a:off x="9761009" y="741712"/>
+            <a:ext cx="1176" cy="206692"/>
           </a:xfrm>
           <a:prstGeom prst="straightConnector1">
             <a:avLst/>
@@ -5955,8 +5917,8 @@
         </p:nvCxnSpPr>
         <p:spPr>
           <a:xfrm flipH="1">
-            <a:off x="9758992" y="1204212"/>
-            <a:ext cx="2605" cy="313276"/>
+            <a:off x="9758992" y="1252980"/>
+            <a:ext cx="2017" cy="264508"/>
           </a:xfrm>
           <a:prstGeom prst="straightConnector1">
             <a:avLst/>
@@ -5997,8 +5959,8 @@
         </p:nvSpPr>
         <p:spPr>
           <a:xfrm>
-            <a:off x="8621887" y="3040400"/>
-            <a:ext cx="2282915" cy="561309"/>
+            <a:off x="8832915" y="1915714"/>
+            <a:ext cx="1880676" cy="626164"/>
           </a:xfrm>
           <a:prstGeom prst="flowChartDecision">
             <a:avLst/>
@@ -6034,67 +5996,7 @@
                   <a:schemeClr val="bg1"/>
                 </a:solidFill>
               </a:rPr>
-              <a:t>Entry = </a:t>
-            </a:r>
-            <a:r>
-              <a:rPr lang="en-US" sz="1400" dirty="0" err="1">
-                <a:solidFill>
-                  <a:schemeClr val="bg1"/>
-                </a:solidFill>
-              </a:rPr>
-              <a:t>NaN</a:t>
-            </a:r>
-            <a:endParaRPr lang="en-US" sz="1400" dirty="0">
-              <a:solidFill>
-                <a:schemeClr val="bg1"/>
-              </a:solidFill>
-            </a:endParaRPr>
-          </a:p>
-        </p:txBody>
-      </p:sp>
-      <p:sp>
-        <p:nvSpPr>
-          <p:cNvPr id="166" name="Data 165">
-            <a:extLst>
-              <a:ext uri="{FF2B5EF4-FFF2-40B4-BE49-F238E27FC236}">
-                <a16:creationId xmlns:a16="http://schemas.microsoft.com/office/drawing/2014/main" id="{3AE471D4-9D9C-F543-A203-006821BEF053}"/>
-              </a:ext>
-            </a:extLst>
-          </p:cNvPr>
-          <p:cNvSpPr/>
-          <p:nvPr/>
-        </p:nvSpPr>
-        <p:spPr>
-          <a:xfrm>
-            <a:off x="8703319" y="1949809"/>
-            <a:ext cx="2105777" cy="280654"/>
-          </a:xfrm>
-          <a:prstGeom prst="flowChartInputOutput">
-            <a:avLst/>
-          </a:prstGeom>
-        </p:spPr>
-        <p:style>
-          <a:lnRef idx="2">
-            <a:schemeClr val="accent6"/>
-          </a:lnRef>
-          <a:fillRef idx="1">
-            <a:schemeClr val="lt1"/>
-          </a:fillRef>
-          <a:effectRef idx="0">
-            <a:schemeClr val="accent6"/>
-          </a:effectRef>
-          <a:fontRef idx="minor">
-            <a:schemeClr val="dk1"/>
-          </a:fontRef>
-        </p:style>
-        <p:txBody>
-          <a:bodyPr rtlCol="0" anchor="ctr"/>
-          <a:lstStyle/>
-          <a:p>
-            <a:pPr algn="ctr"/>
-            <a:r>
-              <a:rPr lang="en-US" sz="1400" dirty="0"/>
-              <a:t>Enter Receipt</a:t>
+              <a:t>Count &lt; 5</a:t>
             </a:r>
           </a:p>
         </p:txBody>
@@ -6162,14 +6064,14 @@
           <p:cNvCxnSpPr>
             <a:cxnSpLocks/>
             <a:stCxn id="167" idx="4"/>
-            <a:endCxn id="166" idx="1"/>
+            <a:endCxn id="165" idx="0"/>
           </p:cNvCxnSpPr>
           <p:nvPr/>
         </p:nvCxnSpPr>
         <p:spPr>
-          <a:xfrm flipH="1">
-            <a:off x="9756208" y="1716854"/>
-            <a:ext cx="2784" cy="232955"/>
+          <a:xfrm>
+            <a:off x="9758992" y="1716854"/>
+            <a:ext cx="14261" cy="198860"/>
           </a:xfrm>
           <a:prstGeom prst="straightConnector1">
             <a:avLst/>
@@ -6210,7 +6112,7 @@
         </p:nvSpPr>
         <p:spPr>
           <a:xfrm>
-            <a:off x="8875162" y="4963435"/>
+            <a:off x="8943225" y="5188250"/>
             <a:ext cx="1752209" cy="561309"/>
           </a:xfrm>
           <a:prstGeom prst="flowChartProcess">
@@ -6242,8 +6144,21 @@
                   <a:schemeClr val="bg1"/>
                 </a:solidFill>
               </a:rPr>
-              <a:t>Sum = Sum + Receipt</a:t>
-            </a:r>
+              <a:t>Sum = Sum + </a:t>
+            </a:r>
+            <a:r>
+              <a:rPr lang="en-US" sz="1400" dirty="0" err="1">
+                <a:solidFill>
+                  <a:schemeClr val="bg1"/>
+                </a:solidFill>
+              </a:rPr>
+              <a:t>TotalVal</a:t>
+            </a:r>
+            <a:endParaRPr lang="en-US" sz="1400" dirty="0">
+              <a:solidFill>
+                <a:schemeClr val="bg1"/>
+              </a:solidFill>
+            </a:endParaRPr>
           </a:p>
           <a:p>
             <a:pPr algn="ctr"/>
@@ -6272,7 +6187,7 @@
         </p:nvSpPr>
         <p:spPr>
           <a:xfrm>
-            <a:off x="10418245" y="5831831"/>
+            <a:off x="10282363" y="5847826"/>
             <a:ext cx="1397224" cy="423292"/>
           </a:xfrm>
           <a:prstGeom prst="flowChartTerminator">
@@ -6325,15 +6240,15 @@
           </p:cNvPr>
           <p:cNvCxnSpPr>
             <a:cxnSpLocks/>
-            <a:stCxn id="166" idx="4"/>
+            <a:stCxn id="217" idx="2"/>
             <a:endCxn id="175" idx="0"/>
           </p:cNvCxnSpPr>
           <p:nvPr/>
         </p:nvCxnSpPr>
         <p:spPr>
-          <a:xfrm flipH="1">
-            <a:off x="9756205" y="2230463"/>
-            <a:ext cx="3" cy="278791"/>
+          <a:xfrm>
+            <a:off x="9799673" y="3224224"/>
+            <a:ext cx="8787" cy="234286"/>
           </a:xfrm>
           <a:prstGeom prst="straightConnector1">
             <a:avLst/>
@@ -6372,14 +6287,14 @@
           <p:cNvCxnSpPr>
             <a:cxnSpLocks/>
             <a:stCxn id="165" idx="2"/>
-            <a:endCxn id="174" idx="0"/>
+            <a:endCxn id="217" idx="0"/>
           </p:cNvCxnSpPr>
           <p:nvPr/>
         </p:nvCxnSpPr>
         <p:spPr>
-          <a:xfrm flipH="1">
-            <a:off x="9751266" y="3601709"/>
-            <a:ext cx="12079" cy="492714"/>
+          <a:xfrm>
+            <a:off x="9773253" y="2541878"/>
+            <a:ext cx="26420" cy="270866"/>
           </a:xfrm>
           <a:prstGeom prst="straightConnector1">
             <a:avLst/>
@@ -6423,13 +6338,13 @@
         </p:nvCxnSpPr>
         <p:spPr>
           <a:xfrm rot="5400000" flipH="1">
-            <a:off x="7746244" y="3519722"/>
-            <a:ext cx="3907573" cy="102472"/>
+            <a:off x="7667869" y="3598098"/>
+            <a:ext cx="4132388" cy="170535"/>
           </a:xfrm>
           <a:prstGeom prst="bentConnector4">
             <a:avLst>
-              <a:gd name="adj1" fmla="val -5850"/>
-              <a:gd name="adj2" fmla="val 1327911"/>
+              <a:gd name="adj1" fmla="val -5532"/>
+              <a:gd name="adj2" fmla="val 647788"/>
             </a:avLst>
           </a:prstGeom>
           <a:ln w="31750">
@@ -6468,8 +6383,8 @@
         </p:nvSpPr>
         <p:spPr>
           <a:xfrm>
-            <a:off x="8516622" y="4094423"/>
-            <a:ext cx="2469288" cy="561309"/>
+            <a:off x="8778478" y="4221790"/>
+            <a:ext cx="2081702" cy="684812"/>
           </a:xfrm>
           <a:prstGeom prst="flowChartDisplay">
             <a:avLst/>
@@ -6503,8 +6418,28 @@
             </a:br>
             <a:r>
               <a:rPr lang="en-US" sz="1400" dirty="0"/>
-              <a:t>Receipt # = Receipt</a:t>
-            </a:r>
+              <a:t>[</a:t>
+            </a:r>
+            <a:r>
+              <a:rPr lang="en-US" sz="1400" dirty="0" err="1"/>
+              <a:t>Clr</a:t>
+            </a:r>
+            <a:r>
+              <a:rPr lang="en-US" sz="1400" dirty="0"/>
+              <a:t>] Chip Qty </a:t>
+            </a:r>
+            <a:br>
+              <a:rPr lang="en-US" sz="1400" dirty="0"/>
+            </a:br>
+            <a:r>
+              <a:rPr lang="en-US" sz="1400" dirty="0"/>
+              <a:t>and </a:t>
+            </a:r>
+            <a:r>
+              <a:rPr lang="en-US" sz="1400" dirty="0" err="1"/>
+              <a:t>TotalVal</a:t>
+            </a:r>
+            <a:endParaRPr lang="en-US" sz="1400" dirty="0"/>
           </a:p>
         </p:txBody>
       </p:sp>
@@ -6522,8 +6457,8 @@
         </p:nvSpPr>
         <p:spPr>
           <a:xfrm>
-            <a:off x="8933806" y="2509254"/>
-            <a:ext cx="1644797" cy="295936"/>
+            <a:off x="8832915" y="3458510"/>
+            <a:ext cx="1951090" cy="549340"/>
           </a:xfrm>
           <a:prstGeom prst="flowChartProcess">
             <a:avLst/>
@@ -6554,7 +6489,26 @@
                   <a:schemeClr val="bg1"/>
                 </a:solidFill>
               </a:rPr>
-              <a:t>Convert Str to Int</a:t>
+              <a:t>Convert Str to Int Qty</a:t>
+            </a:r>
+          </a:p>
+          <a:p>
+            <a:pPr algn="ctr"/>
+            <a:r>
+              <a:rPr lang="en-US" sz="1400" dirty="0" err="1">
+                <a:solidFill>
+                  <a:schemeClr val="bg1"/>
+                </a:solidFill>
+              </a:rPr>
+              <a:t>TotalVal</a:t>
+            </a:r>
+            <a:r>
+              <a:rPr lang="en-US" sz="1400" dirty="0">
+                <a:solidFill>
+                  <a:schemeClr val="bg1"/>
+                </a:solidFill>
+              </a:rPr>
+              <a:t> = Qty * [Val]</a:t>
             </a:r>
           </a:p>
         </p:txBody>
@@ -6577,8 +6531,8 @@
         </p:nvCxnSpPr>
         <p:spPr>
           <a:xfrm>
-            <a:off x="9751266" y="4655732"/>
-            <a:ext cx="1" cy="307703"/>
+            <a:off x="9819329" y="4906602"/>
+            <a:ext cx="1" cy="281648"/>
           </a:xfrm>
           <a:prstGeom prst="straightConnector1">
             <a:avLst/>
@@ -6623,8 +6577,8 @@
         </p:nvCxnSpPr>
         <p:spPr>
           <a:xfrm>
-            <a:off x="10904802" y="3321055"/>
-            <a:ext cx="212055" cy="2510776"/>
+            <a:off x="10713591" y="2228796"/>
+            <a:ext cx="267384" cy="3619030"/>
           </a:xfrm>
           <a:prstGeom prst="bentConnector2">
             <a:avLst/>
@@ -6663,14 +6617,14 @@
           <p:cNvCxnSpPr>
             <a:cxnSpLocks/>
             <a:stCxn id="175" idx="2"/>
-            <a:endCxn id="165" idx="0"/>
+            <a:endCxn id="174" idx="0"/>
           </p:cNvCxnSpPr>
           <p:nvPr/>
         </p:nvCxnSpPr>
         <p:spPr>
           <a:xfrm>
-            <a:off x="9756205" y="2805190"/>
-            <a:ext cx="7140" cy="235210"/>
+            <a:off x="9808460" y="4007850"/>
+            <a:ext cx="10869" cy="213940"/>
           </a:xfrm>
           <a:prstGeom prst="straightConnector1">
             <a:avLst/>
@@ -6711,7 +6665,7 @@
         </p:nvSpPr>
         <p:spPr>
           <a:xfrm>
-            <a:off x="10591329" y="2981714"/>
+            <a:off x="9104215" y="2434784"/>
             <a:ext cx="612668" cy="369332"/>
           </a:xfrm>
           <a:prstGeom prst="rect">
@@ -6746,7 +6700,7 @@
         </p:nvSpPr>
         <p:spPr>
           <a:xfrm>
-            <a:off x="9758903" y="3647519"/>
+            <a:off x="10562678" y="1843562"/>
             <a:ext cx="641522" cy="369332"/>
           </a:xfrm>
           <a:prstGeom prst="rect">
@@ -6767,10 +6721,3336 @@
           </a:p>
         </p:txBody>
       </p:sp>
+      <p:sp>
+        <p:nvSpPr>
+          <p:cNvPr id="214" name="Manual Input 213">
+            <a:extLst>
+              <a:ext uri="{FF2B5EF4-FFF2-40B4-BE49-F238E27FC236}">
+                <a16:creationId xmlns:a16="http://schemas.microsoft.com/office/drawing/2014/main" id="{2568E950-611D-E149-8D4F-33C262FFED26}"/>
+              </a:ext>
+            </a:extLst>
+          </p:cNvPr>
+          <p:cNvSpPr/>
+          <p:nvPr/>
+        </p:nvSpPr>
+        <p:spPr>
+          <a:xfrm>
+            <a:off x="5427822" y="1712338"/>
+            <a:ext cx="1214436" cy="457200"/>
+          </a:xfrm>
+          <a:prstGeom prst="flowChartManualInput">
+            <a:avLst/>
+          </a:prstGeom>
+        </p:spPr>
+        <p:style>
+          <a:lnRef idx="2">
+            <a:schemeClr val="accent6"/>
+          </a:lnRef>
+          <a:fillRef idx="1">
+            <a:schemeClr val="lt1"/>
+          </a:fillRef>
+          <a:effectRef idx="0">
+            <a:schemeClr val="accent6"/>
+          </a:effectRef>
+          <a:fontRef idx="minor">
+            <a:schemeClr val="dk1"/>
+          </a:fontRef>
+        </p:style>
+        <p:txBody>
+          <a:bodyPr rtlCol="0" anchor="ctr"/>
+          <a:lstStyle/>
+          <a:p>
+            <a:pPr algn="ctr"/>
+            <a:r>
+              <a:rPr lang="en-US" sz="1400" dirty="0"/>
+              <a:t>Enter Receipt</a:t>
+            </a:r>
+          </a:p>
+        </p:txBody>
+      </p:sp>
+      <p:sp>
+        <p:nvSpPr>
+          <p:cNvPr id="217" name="Manual Input 216">
+            <a:extLst>
+              <a:ext uri="{FF2B5EF4-FFF2-40B4-BE49-F238E27FC236}">
+                <a16:creationId xmlns:a16="http://schemas.microsoft.com/office/drawing/2014/main" id="{0E9C7FB9-0BF8-D043-BB87-689BF374B09B}"/>
+              </a:ext>
+            </a:extLst>
+          </p:cNvPr>
+          <p:cNvSpPr/>
+          <p:nvPr/>
+        </p:nvSpPr>
+        <p:spPr>
+          <a:xfrm>
+            <a:off x="8922068" y="2767024"/>
+            <a:ext cx="1755209" cy="457200"/>
+          </a:xfrm>
+          <a:prstGeom prst="flowChartManualInput">
+            <a:avLst/>
+          </a:prstGeom>
+        </p:spPr>
+        <p:style>
+          <a:lnRef idx="2">
+            <a:schemeClr val="accent6"/>
+          </a:lnRef>
+          <a:fillRef idx="1">
+            <a:schemeClr val="lt1"/>
+          </a:fillRef>
+          <a:effectRef idx="0">
+            <a:schemeClr val="accent6"/>
+          </a:effectRef>
+          <a:fontRef idx="minor">
+            <a:schemeClr val="dk1"/>
+          </a:fontRef>
+        </p:style>
+        <p:txBody>
+          <a:bodyPr rtlCol="0" anchor="ctr"/>
+          <a:lstStyle/>
+          <a:p>
+            <a:pPr algn="ctr"/>
+            <a:r>
+              <a:rPr lang="en-US" sz="1400" dirty="0"/>
+              <a:t>Enter [</a:t>
+            </a:r>
+            <a:r>
+              <a:rPr lang="en-US" sz="1400" dirty="0" err="1"/>
+              <a:t>Clr</a:t>
+            </a:r>
+            <a:r>
+              <a:rPr lang="en-US" sz="1400" dirty="0"/>
+              <a:t>] Chip Qty</a:t>
+            </a:r>
+          </a:p>
+        </p:txBody>
+      </p:sp>
     </p:spTree>
     <p:extLst>
       <p:ext uri="{BB962C8B-B14F-4D97-AF65-F5344CB8AC3E}">
         <p14:creationId xmlns:p14="http://schemas.microsoft.com/office/powerpoint/2010/main" val="3965772105"/>
+      </p:ext>
+    </p:extLst>
+  </p:cSld>
+  <p:clrMapOvr>
+    <a:masterClrMapping/>
+  </p:clrMapOvr>
+</p:sld>
+</file>
+
+<file path=ppt/slides/slide11.xml><?xml version="1.0" encoding="utf-8"?>
+<p:sld xmlns:a="http://schemas.openxmlformats.org/drawingml/2006/main" xmlns:r="http://schemas.openxmlformats.org/officeDocument/2006/relationships" xmlns:p="http://schemas.openxmlformats.org/presentationml/2006/main">
+  <p:cSld>
+    <p:spTree>
+      <p:nvGrpSpPr>
+        <p:cNvPr id="1" name=""/>
+        <p:cNvGrpSpPr/>
+        <p:nvPr/>
+      </p:nvGrpSpPr>
+      <p:grpSpPr>
+        <a:xfrm>
+          <a:off x="0" y="0"/>
+          <a:ext cx="0" cy="0"/>
+          <a:chOff x="0" y="0"/>
+          <a:chExt cx="0" cy="0"/>
+        </a:xfrm>
+      </p:grpSpPr>
+      <p:sp>
+        <p:nvSpPr>
+          <p:cNvPr id="26" name="Terminator 25">
+            <a:extLst>
+              <a:ext uri="{FF2B5EF4-FFF2-40B4-BE49-F238E27FC236}">
+                <a16:creationId xmlns:a16="http://schemas.microsoft.com/office/drawing/2014/main" id="{59F1B78B-A17C-974D-99EB-8B227A775340}"/>
+              </a:ext>
+            </a:extLst>
+          </p:cNvPr>
+          <p:cNvSpPr/>
+          <p:nvPr/>
+        </p:nvSpPr>
+        <p:spPr>
+          <a:xfrm>
+            <a:off x="1714544" y="170688"/>
+            <a:ext cx="923155" cy="423292"/>
+          </a:xfrm>
+          <a:prstGeom prst="flowChartTerminator">
+            <a:avLst/>
+          </a:prstGeom>
+        </p:spPr>
+        <p:style>
+          <a:lnRef idx="2">
+            <a:schemeClr val="accent1">
+              <a:shade val="50000"/>
+            </a:schemeClr>
+          </a:lnRef>
+          <a:fillRef idx="1">
+            <a:schemeClr val="accent1"/>
+          </a:fillRef>
+          <a:effectRef idx="0">
+            <a:schemeClr val="accent1"/>
+          </a:effectRef>
+          <a:fontRef idx="minor">
+            <a:schemeClr val="lt1"/>
+          </a:fontRef>
+        </p:style>
+        <p:txBody>
+          <a:bodyPr rtlCol="0" anchor="ctr"/>
+          <a:lstStyle/>
+          <a:p>
+            <a:pPr algn="ctr"/>
+            <a:r>
+              <a:rPr lang="en-US" sz="1400" dirty="0"/>
+              <a:t>Start</a:t>
+            </a:r>
+          </a:p>
+        </p:txBody>
+      </p:sp>
+      <p:sp>
+        <p:nvSpPr>
+          <p:cNvPr id="27" name="Terminator 26">
+            <a:extLst>
+              <a:ext uri="{FF2B5EF4-FFF2-40B4-BE49-F238E27FC236}">
+                <a16:creationId xmlns:a16="http://schemas.microsoft.com/office/drawing/2014/main" id="{A990D809-0EB3-DF4B-B76F-F674AE9AF6B8}"/>
+              </a:ext>
+            </a:extLst>
+          </p:cNvPr>
+          <p:cNvSpPr/>
+          <p:nvPr/>
+        </p:nvSpPr>
+        <p:spPr>
+          <a:xfrm>
+            <a:off x="1707360" y="6406766"/>
+            <a:ext cx="923155" cy="365287"/>
+          </a:xfrm>
+          <a:prstGeom prst="flowChartTerminator">
+            <a:avLst/>
+          </a:prstGeom>
+        </p:spPr>
+        <p:style>
+          <a:lnRef idx="2">
+            <a:schemeClr val="accent1">
+              <a:shade val="50000"/>
+            </a:schemeClr>
+          </a:lnRef>
+          <a:fillRef idx="1">
+            <a:schemeClr val="accent1"/>
+          </a:fillRef>
+          <a:effectRef idx="0">
+            <a:schemeClr val="accent1"/>
+          </a:effectRef>
+          <a:fontRef idx="minor">
+            <a:schemeClr val="lt1"/>
+          </a:fontRef>
+        </p:style>
+        <p:txBody>
+          <a:bodyPr rtlCol="0" anchor="ctr"/>
+          <a:lstStyle/>
+          <a:p>
+            <a:pPr algn="ctr"/>
+            <a:r>
+              <a:rPr lang="en-US" sz="1400" dirty="0"/>
+              <a:t>End</a:t>
+            </a:r>
+          </a:p>
+        </p:txBody>
+      </p:sp>
+      <p:sp>
+        <p:nvSpPr>
+          <p:cNvPr id="28" name="Process 27">
+            <a:extLst>
+              <a:ext uri="{FF2B5EF4-FFF2-40B4-BE49-F238E27FC236}">
+                <a16:creationId xmlns:a16="http://schemas.microsoft.com/office/drawing/2014/main" id="{04D973BA-ACAA-2E47-ACAA-BE8FBCE1DC0C}"/>
+              </a:ext>
+            </a:extLst>
+          </p:cNvPr>
+          <p:cNvSpPr/>
+          <p:nvPr/>
+        </p:nvSpPr>
+        <p:spPr>
+          <a:xfrm>
+            <a:off x="152551" y="741712"/>
+            <a:ext cx="4047139" cy="632850"/>
+          </a:xfrm>
+          <a:prstGeom prst="flowChartProcess">
+            <a:avLst/>
+          </a:prstGeom>
+        </p:spPr>
+        <p:style>
+          <a:lnRef idx="3">
+            <a:schemeClr val="lt1"/>
+          </a:lnRef>
+          <a:fillRef idx="1">
+            <a:schemeClr val="accent2"/>
+          </a:fillRef>
+          <a:effectRef idx="1">
+            <a:schemeClr val="accent2"/>
+          </a:effectRef>
+          <a:fontRef idx="minor">
+            <a:schemeClr val="lt1"/>
+          </a:fontRef>
+        </p:style>
+        <p:txBody>
+          <a:bodyPr rtlCol="0" anchor="ctr"/>
+          <a:lstStyle/>
+          <a:p>
+            <a:pPr algn="ctr"/>
+            <a:r>
+              <a:rPr lang="en-US" sz="1400" dirty="0">
+                <a:solidFill>
+                  <a:schemeClr val="bg1"/>
+                </a:solidFill>
+              </a:rPr>
+              <a:t>Initialize Arrays: </a:t>
+            </a:r>
+            <a:r>
+              <a:rPr lang="en-US" sz="1400" dirty="0" err="1">
+                <a:solidFill>
+                  <a:schemeClr val="bg1"/>
+                </a:solidFill>
+              </a:rPr>
+              <a:t>ChipColor</a:t>
+            </a:r>
+            <a:r>
+              <a:rPr lang="en-US" sz="1400" dirty="0">
+                <a:solidFill>
+                  <a:schemeClr val="bg1"/>
+                </a:solidFill>
+              </a:rPr>
+              <a:t>, </a:t>
+            </a:r>
+            <a:r>
+              <a:rPr lang="en-US" sz="1400" dirty="0" err="1">
+                <a:solidFill>
+                  <a:schemeClr val="bg1"/>
+                </a:solidFill>
+              </a:rPr>
+              <a:t>ChipValue</a:t>
+            </a:r>
+            <a:endParaRPr lang="en-US" sz="1400" dirty="0">
+              <a:solidFill>
+                <a:schemeClr val="bg1"/>
+              </a:solidFill>
+            </a:endParaRPr>
+          </a:p>
+          <a:p>
+            <a:pPr algn="ctr"/>
+            <a:r>
+              <a:rPr lang="en-US" sz="1400" dirty="0">
+                <a:solidFill>
+                  <a:schemeClr val="bg1"/>
+                </a:solidFill>
+              </a:rPr>
+              <a:t>Global Variables: </a:t>
+            </a:r>
+            <a:r>
+              <a:rPr lang="en-US" sz="1400" dirty="0" err="1">
+                <a:solidFill>
+                  <a:schemeClr val="bg1"/>
+                </a:solidFill>
+              </a:rPr>
+              <a:t>ReceiptTotal</a:t>
+            </a:r>
+            <a:r>
+              <a:rPr lang="en-US" sz="1400" dirty="0">
+                <a:solidFill>
+                  <a:schemeClr val="bg1"/>
+                </a:solidFill>
+              </a:rPr>
+              <a:t>, </a:t>
+            </a:r>
+            <a:r>
+              <a:rPr lang="en-US" sz="1400" dirty="0" err="1">
+                <a:solidFill>
+                  <a:schemeClr val="bg1"/>
+                </a:solidFill>
+              </a:rPr>
+              <a:t>ChipTotal</a:t>
+            </a:r>
+            <a:r>
+              <a:rPr lang="en-US" sz="1400" dirty="0">
+                <a:solidFill>
+                  <a:schemeClr val="bg1"/>
+                </a:solidFill>
+              </a:rPr>
+              <a:t>, Won</a:t>
+            </a:r>
+          </a:p>
+        </p:txBody>
+      </p:sp>
+      <p:sp>
+        <p:nvSpPr>
+          <p:cNvPr id="30" name="Predefined Process 29">
+            <a:extLst>
+              <a:ext uri="{FF2B5EF4-FFF2-40B4-BE49-F238E27FC236}">
+                <a16:creationId xmlns:a16="http://schemas.microsoft.com/office/drawing/2014/main" id="{2E3C03FD-28C7-2C4D-A5AE-4F403D98C6E6}"/>
+              </a:ext>
+            </a:extLst>
+          </p:cNvPr>
+          <p:cNvSpPr/>
+          <p:nvPr/>
+        </p:nvSpPr>
+        <p:spPr>
+          <a:xfrm>
+            <a:off x="144967" y="2130300"/>
+            <a:ext cx="4054718" cy="686318"/>
+          </a:xfrm>
+          <a:prstGeom prst="flowChartPredefinedProcess">
+            <a:avLst/>
+          </a:prstGeom>
+          <a:solidFill>
+            <a:srgbClr val="FF0000"/>
+          </a:solidFill>
+          <a:ln w="28575"/>
+        </p:spPr>
+        <p:style>
+          <a:lnRef idx="1">
+            <a:schemeClr val="dk1"/>
+          </a:lnRef>
+          <a:fillRef idx="3">
+            <a:schemeClr val="dk1"/>
+          </a:fillRef>
+          <a:effectRef idx="2">
+            <a:schemeClr val="dk1"/>
+          </a:effectRef>
+          <a:fontRef idx="minor">
+            <a:schemeClr val="lt1"/>
+          </a:fontRef>
+        </p:style>
+        <p:txBody>
+          <a:bodyPr rtlCol="0" anchor="ctr"/>
+          <a:lstStyle/>
+          <a:p>
+            <a:pPr algn="ctr"/>
+            <a:r>
+              <a:rPr lang="en-US" sz="1400" dirty="0"/>
+              <a:t>Call  function </a:t>
+            </a:r>
+            <a:br>
+              <a:rPr lang="en-US" sz="1400" dirty="0"/>
+            </a:br>
+            <a:r>
+              <a:rPr lang="en-US" sz="1400" dirty="0" err="1"/>
+              <a:t>ReceiptTotal</a:t>
+            </a:r>
+            <a:r>
+              <a:rPr lang="en-US" sz="1400" dirty="0"/>
+              <a:t> = </a:t>
+            </a:r>
+            <a:r>
+              <a:rPr lang="en-US" sz="1400" dirty="0" err="1"/>
+              <a:t>getReceipts</a:t>
+            </a:r>
+            <a:r>
+              <a:rPr lang="en-US" sz="1400" dirty="0"/>
+              <a:t>()</a:t>
+            </a:r>
+          </a:p>
+        </p:txBody>
+      </p:sp>
+      <p:sp>
+        <p:nvSpPr>
+          <p:cNvPr id="31" name="Predefined Process 30">
+            <a:extLst>
+              <a:ext uri="{FF2B5EF4-FFF2-40B4-BE49-F238E27FC236}">
+                <a16:creationId xmlns:a16="http://schemas.microsoft.com/office/drawing/2014/main" id="{53E447C1-AB10-2442-B511-E23ACF85CB2C}"/>
+              </a:ext>
+            </a:extLst>
+          </p:cNvPr>
+          <p:cNvSpPr/>
+          <p:nvPr/>
+        </p:nvSpPr>
+        <p:spPr>
+          <a:xfrm>
+            <a:off x="130320" y="3631182"/>
+            <a:ext cx="4054724" cy="614174"/>
+          </a:xfrm>
+          <a:prstGeom prst="flowChartPredefinedProcess">
+            <a:avLst/>
+          </a:prstGeom>
+          <a:solidFill>
+            <a:srgbClr val="FF0000"/>
+          </a:solidFill>
+          <a:ln w="28575"/>
+        </p:spPr>
+        <p:style>
+          <a:lnRef idx="1">
+            <a:schemeClr val="dk1"/>
+          </a:lnRef>
+          <a:fillRef idx="3">
+            <a:schemeClr val="dk1"/>
+          </a:fillRef>
+          <a:effectRef idx="2">
+            <a:schemeClr val="dk1"/>
+          </a:effectRef>
+          <a:fontRef idx="minor">
+            <a:schemeClr val="lt1"/>
+          </a:fontRef>
+        </p:style>
+        <p:txBody>
+          <a:bodyPr rtlCol="0" anchor="ctr"/>
+          <a:lstStyle/>
+          <a:p>
+            <a:pPr algn="ctr"/>
+            <a:r>
+              <a:rPr lang="en-US" sz="1400" dirty="0"/>
+              <a:t>Call function </a:t>
+            </a:r>
+            <a:r>
+              <a:rPr lang="en-US" sz="1400" dirty="0" err="1"/>
+              <a:t>ChipTotal</a:t>
+            </a:r>
+            <a:r>
+              <a:rPr lang="en-US" sz="1400" dirty="0"/>
+              <a:t> = </a:t>
+            </a:r>
+            <a:r>
+              <a:rPr lang="en-US" sz="1400" dirty="0" err="1"/>
+              <a:t>getChips</a:t>
+            </a:r>
+            <a:r>
+              <a:rPr lang="en-US" sz="1400" dirty="0"/>
+              <a:t>(</a:t>
+            </a:r>
+            <a:r>
+              <a:rPr lang="en-US" sz="1400" dirty="0" err="1"/>
+              <a:t>ChipColor</a:t>
+            </a:r>
+            <a:r>
+              <a:rPr lang="en-US" sz="1400" dirty="0"/>
+              <a:t>, </a:t>
+            </a:r>
+            <a:r>
+              <a:rPr lang="en-US" sz="1400" dirty="0" err="1"/>
+              <a:t>ChipValue</a:t>
+            </a:r>
+            <a:r>
+              <a:rPr lang="en-US" sz="1400" dirty="0"/>
+              <a:t>)</a:t>
+            </a:r>
+          </a:p>
+        </p:txBody>
+      </p:sp>
+      <p:cxnSp>
+        <p:nvCxnSpPr>
+          <p:cNvPr id="33" name="Straight Arrow Connector 32">
+            <a:extLst>
+              <a:ext uri="{FF2B5EF4-FFF2-40B4-BE49-F238E27FC236}">
+                <a16:creationId xmlns:a16="http://schemas.microsoft.com/office/drawing/2014/main" id="{537F5ED6-0217-CB46-AEDC-48CBF2C6FAF7}"/>
+              </a:ext>
+            </a:extLst>
+          </p:cNvPr>
+          <p:cNvCxnSpPr>
+            <a:stCxn id="26" idx="2"/>
+            <a:endCxn id="28" idx="0"/>
+          </p:cNvCxnSpPr>
+          <p:nvPr/>
+        </p:nvCxnSpPr>
+        <p:spPr>
+          <a:xfrm>
+            <a:off x="2176121" y="593980"/>
+            <a:ext cx="0" cy="147732"/>
+          </a:xfrm>
+          <a:prstGeom prst="straightConnector1">
+            <a:avLst/>
+          </a:prstGeom>
+          <a:ln w="31750">
+            <a:solidFill>
+              <a:srgbClr val="FFFF00"/>
+            </a:solidFill>
+            <a:tailEnd type="triangle"/>
+          </a:ln>
+        </p:spPr>
+        <p:style>
+          <a:lnRef idx="1">
+            <a:schemeClr val="accent1"/>
+          </a:lnRef>
+          <a:fillRef idx="0">
+            <a:schemeClr val="accent1"/>
+          </a:fillRef>
+          <a:effectRef idx="0">
+            <a:schemeClr val="accent1"/>
+          </a:effectRef>
+          <a:fontRef idx="minor">
+            <a:schemeClr val="tx1"/>
+          </a:fontRef>
+        </p:style>
+      </p:cxnSp>
+      <p:cxnSp>
+        <p:nvCxnSpPr>
+          <p:cNvPr id="35" name="Straight Arrow Connector 34">
+            <a:extLst>
+              <a:ext uri="{FF2B5EF4-FFF2-40B4-BE49-F238E27FC236}">
+                <a16:creationId xmlns:a16="http://schemas.microsoft.com/office/drawing/2014/main" id="{927E6395-829E-5C45-9130-55797F8FE3E5}"/>
+              </a:ext>
+            </a:extLst>
+          </p:cNvPr>
+          <p:cNvCxnSpPr>
+            <a:cxnSpLocks/>
+            <a:stCxn id="28" idx="2"/>
+            <a:endCxn id="42" idx="0"/>
+          </p:cNvCxnSpPr>
+          <p:nvPr/>
+        </p:nvCxnSpPr>
+        <p:spPr>
+          <a:xfrm flipH="1">
+            <a:off x="2172330" y="1374562"/>
+            <a:ext cx="3792" cy="196022"/>
+          </a:xfrm>
+          <a:prstGeom prst="straightConnector1">
+            <a:avLst/>
+          </a:prstGeom>
+          <a:ln w="31750">
+            <a:solidFill>
+              <a:srgbClr val="FFFF00"/>
+            </a:solidFill>
+            <a:tailEnd type="triangle"/>
+          </a:ln>
+        </p:spPr>
+        <p:style>
+          <a:lnRef idx="1">
+            <a:schemeClr val="accent1"/>
+          </a:lnRef>
+          <a:fillRef idx="0">
+            <a:schemeClr val="accent1"/>
+          </a:fillRef>
+          <a:effectRef idx="0">
+            <a:schemeClr val="accent1"/>
+          </a:effectRef>
+          <a:fontRef idx="minor">
+            <a:schemeClr val="tx1"/>
+          </a:fontRef>
+        </p:style>
+      </p:cxnSp>
+      <p:cxnSp>
+        <p:nvCxnSpPr>
+          <p:cNvPr id="38" name="Straight Arrow Connector 37">
+            <a:extLst>
+              <a:ext uri="{FF2B5EF4-FFF2-40B4-BE49-F238E27FC236}">
+                <a16:creationId xmlns:a16="http://schemas.microsoft.com/office/drawing/2014/main" id="{B7A0A5DE-1D30-E144-BDAA-E91805C4183A}"/>
+              </a:ext>
+            </a:extLst>
+          </p:cNvPr>
+          <p:cNvCxnSpPr>
+            <a:cxnSpLocks/>
+            <a:stCxn id="30" idx="2"/>
+            <a:endCxn id="53" idx="0"/>
+          </p:cNvCxnSpPr>
+          <p:nvPr/>
+        </p:nvCxnSpPr>
+        <p:spPr>
+          <a:xfrm flipH="1">
+            <a:off x="2166151" y="2816618"/>
+            <a:ext cx="6176" cy="262376"/>
+          </a:xfrm>
+          <a:prstGeom prst="straightConnector1">
+            <a:avLst/>
+          </a:prstGeom>
+          <a:ln w="31750">
+            <a:solidFill>
+              <a:srgbClr val="FFFF00"/>
+            </a:solidFill>
+            <a:tailEnd type="triangle"/>
+          </a:ln>
+        </p:spPr>
+        <p:style>
+          <a:lnRef idx="1">
+            <a:schemeClr val="accent1"/>
+          </a:lnRef>
+          <a:fillRef idx="0">
+            <a:schemeClr val="accent1"/>
+          </a:fillRef>
+          <a:effectRef idx="0">
+            <a:schemeClr val="accent1"/>
+          </a:effectRef>
+          <a:fontRef idx="minor">
+            <a:schemeClr val="tx1"/>
+          </a:fontRef>
+        </p:style>
+      </p:cxnSp>
+      <p:sp>
+        <p:nvSpPr>
+          <p:cNvPr id="41" name="Display 40">
+            <a:extLst>
+              <a:ext uri="{FF2B5EF4-FFF2-40B4-BE49-F238E27FC236}">
+                <a16:creationId xmlns:a16="http://schemas.microsoft.com/office/drawing/2014/main" id="{1CCB207E-C1F0-AB41-8BEF-EB3A5E900E2B}"/>
+              </a:ext>
+            </a:extLst>
+          </p:cNvPr>
+          <p:cNvSpPr/>
+          <p:nvPr/>
+        </p:nvSpPr>
+        <p:spPr>
+          <a:xfrm>
+            <a:off x="171215" y="4426716"/>
+            <a:ext cx="3980602" cy="368689"/>
+          </a:xfrm>
+          <a:prstGeom prst="flowChartDisplay">
+            <a:avLst/>
+          </a:prstGeom>
+        </p:spPr>
+        <p:style>
+          <a:lnRef idx="2">
+            <a:schemeClr val="accent6"/>
+          </a:lnRef>
+          <a:fillRef idx="1">
+            <a:schemeClr val="lt1"/>
+          </a:fillRef>
+          <a:effectRef idx="0">
+            <a:schemeClr val="accent6"/>
+          </a:effectRef>
+          <a:fontRef idx="minor">
+            <a:schemeClr val="dk1"/>
+          </a:fontRef>
+        </p:style>
+        <p:txBody>
+          <a:bodyPr rtlCol="0" anchor="ctr"/>
+          <a:lstStyle/>
+          <a:p>
+            <a:pPr algn="ctr"/>
+            <a:r>
+              <a:rPr lang="en-US" sz="1400" dirty="0"/>
+              <a:t>Display: </a:t>
+            </a:r>
+            <a:r>
+              <a:rPr lang="en-US" sz="1400" dirty="0" err="1"/>
+              <a:t>ChipTotal</a:t>
+            </a:r>
+            <a:endParaRPr lang="en-US" sz="1400" dirty="0"/>
+          </a:p>
+        </p:txBody>
+      </p:sp>
+      <p:sp>
+        <p:nvSpPr>
+          <p:cNvPr id="42" name="Display 41">
+            <a:extLst>
+              <a:ext uri="{FF2B5EF4-FFF2-40B4-BE49-F238E27FC236}">
+                <a16:creationId xmlns:a16="http://schemas.microsoft.com/office/drawing/2014/main" id="{D96E48F2-4961-C041-AC6F-88E5E702A27B}"/>
+              </a:ext>
+            </a:extLst>
+          </p:cNvPr>
+          <p:cNvSpPr/>
+          <p:nvPr/>
+        </p:nvSpPr>
+        <p:spPr>
+          <a:xfrm>
+            <a:off x="182028" y="1570584"/>
+            <a:ext cx="3980602" cy="365287"/>
+          </a:xfrm>
+          <a:prstGeom prst="flowChartDisplay">
+            <a:avLst/>
+          </a:prstGeom>
+        </p:spPr>
+        <p:style>
+          <a:lnRef idx="2">
+            <a:schemeClr val="accent6"/>
+          </a:lnRef>
+          <a:fillRef idx="1">
+            <a:schemeClr val="lt1"/>
+          </a:fillRef>
+          <a:effectRef idx="0">
+            <a:schemeClr val="accent6"/>
+          </a:effectRef>
+          <a:fontRef idx="minor">
+            <a:schemeClr val="dk1"/>
+          </a:fontRef>
+        </p:style>
+        <p:txBody>
+          <a:bodyPr rtlCol="0" anchor="ctr"/>
+          <a:lstStyle/>
+          <a:p>
+            <a:pPr algn="ctr"/>
+            <a:r>
+              <a:rPr lang="en-US" sz="1400" dirty="0"/>
+              <a:t>Display: Introduction</a:t>
+            </a:r>
+          </a:p>
+        </p:txBody>
+      </p:sp>
+      <p:cxnSp>
+        <p:nvCxnSpPr>
+          <p:cNvPr id="44" name="Straight Arrow Connector 43">
+            <a:extLst>
+              <a:ext uri="{FF2B5EF4-FFF2-40B4-BE49-F238E27FC236}">
+                <a16:creationId xmlns:a16="http://schemas.microsoft.com/office/drawing/2014/main" id="{FAC65D85-E37C-6441-B99C-425A1C034388}"/>
+              </a:ext>
+            </a:extLst>
+          </p:cNvPr>
+          <p:cNvCxnSpPr>
+            <a:cxnSpLocks/>
+            <a:stCxn id="42" idx="2"/>
+            <a:endCxn id="30" idx="0"/>
+          </p:cNvCxnSpPr>
+          <p:nvPr/>
+        </p:nvCxnSpPr>
+        <p:spPr>
+          <a:xfrm flipH="1">
+            <a:off x="2172327" y="1935871"/>
+            <a:ext cx="3" cy="194429"/>
+          </a:xfrm>
+          <a:prstGeom prst="straightConnector1">
+            <a:avLst/>
+          </a:prstGeom>
+          <a:ln w="31750">
+            <a:solidFill>
+              <a:srgbClr val="FFFF00"/>
+            </a:solidFill>
+            <a:tailEnd type="triangle"/>
+          </a:ln>
+        </p:spPr>
+        <p:style>
+          <a:lnRef idx="1">
+            <a:schemeClr val="accent1"/>
+          </a:lnRef>
+          <a:fillRef idx="0">
+            <a:schemeClr val="accent1"/>
+          </a:fillRef>
+          <a:effectRef idx="0">
+            <a:schemeClr val="accent1"/>
+          </a:effectRef>
+          <a:fontRef idx="minor">
+            <a:schemeClr val="tx1"/>
+          </a:fontRef>
+        </p:style>
+      </p:cxnSp>
+      <p:sp>
+        <p:nvSpPr>
+          <p:cNvPr id="53" name="Display 52">
+            <a:extLst>
+              <a:ext uri="{FF2B5EF4-FFF2-40B4-BE49-F238E27FC236}">
+                <a16:creationId xmlns:a16="http://schemas.microsoft.com/office/drawing/2014/main" id="{8AD25670-A780-F841-B6AE-AF7565126FD0}"/>
+              </a:ext>
+            </a:extLst>
+          </p:cNvPr>
+          <p:cNvSpPr/>
+          <p:nvPr/>
+        </p:nvSpPr>
+        <p:spPr>
+          <a:xfrm>
+            <a:off x="175849" y="3078994"/>
+            <a:ext cx="3980602" cy="365288"/>
+          </a:xfrm>
+          <a:prstGeom prst="flowChartDisplay">
+            <a:avLst/>
+          </a:prstGeom>
+        </p:spPr>
+        <p:style>
+          <a:lnRef idx="2">
+            <a:schemeClr val="accent6"/>
+          </a:lnRef>
+          <a:fillRef idx="1">
+            <a:schemeClr val="lt1"/>
+          </a:fillRef>
+          <a:effectRef idx="0">
+            <a:schemeClr val="accent6"/>
+          </a:effectRef>
+          <a:fontRef idx="minor">
+            <a:schemeClr val="dk1"/>
+          </a:fontRef>
+        </p:style>
+        <p:txBody>
+          <a:bodyPr rtlCol="0" anchor="ctr"/>
+          <a:lstStyle/>
+          <a:p>
+            <a:pPr algn="ctr"/>
+            <a:r>
+              <a:rPr lang="en-US" sz="1400" dirty="0"/>
+              <a:t>Display: </a:t>
+            </a:r>
+            <a:r>
+              <a:rPr lang="en-US" sz="1400" dirty="0" err="1"/>
+              <a:t>ReceiptTotal</a:t>
+            </a:r>
+            <a:endParaRPr lang="en-US" sz="1400" dirty="0"/>
+          </a:p>
+        </p:txBody>
+      </p:sp>
+      <p:cxnSp>
+        <p:nvCxnSpPr>
+          <p:cNvPr id="55" name="Straight Arrow Connector 54">
+            <a:extLst>
+              <a:ext uri="{FF2B5EF4-FFF2-40B4-BE49-F238E27FC236}">
+                <a16:creationId xmlns:a16="http://schemas.microsoft.com/office/drawing/2014/main" id="{E892D795-9955-FB4A-B819-C49695C16AB8}"/>
+              </a:ext>
+            </a:extLst>
+          </p:cNvPr>
+          <p:cNvCxnSpPr>
+            <a:cxnSpLocks/>
+            <a:stCxn id="53" idx="2"/>
+            <a:endCxn id="31" idx="0"/>
+          </p:cNvCxnSpPr>
+          <p:nvPr/>
+        </p:nvCxnSpPr>
+        <p:spPr>
+          <a:xfrm flipH="1">
+            <a:off x="2157682" y="3444282"/>
+            <a:ext cx="8468" cy="186900"/>
+          </a:xfrm>
+          <a:prstGeom prst="straightConnector1">
+            <a:avLst/>
+          </a:prstGeom>
+          <a:ln w="31750">
+            <a:solidFill>
+              <a:srgbClr val="FFFF00"/>
+            </a:solidFill>
+            <a:tailEnd type="triangle"/>
+          </a:ln>
+        </p:spPr>
+        <p:style>
+          <a:lnRef idx="1">
+            <a:schemeClr val="accent1"/>
+          </a:lnRef>
+          <a:fillRef idx="0">
+            <a:schemeClr val="accent1"/>
+          </a:fillRef>
+          <a:effectRef idx="0">
+            <a:schemeClr val="accent1"/>
+          </a:effectRef>
+          <a:fontRef idx="minor">
+            <a:schemeClr val="tx1"/>
+          </a:fontRef>
+        </p:style>
+      </p:cxnSp>
+      <p:cxnSp>
+        <p:nvCxnSpPr>
+          <p:cNvPr id="62" name="Straight Arrow Connector 61">
+            <a:extLst>
+              <a:ext uri="{FF2B5EF4-FFF2-40B4-BE49-F238E27FC236}">
+                <a16:creationId xmlns:a16="http://schemas.microsoft.com/office/drawing/2014/main" id="{3AC16097-7469-304B-8C88-8102792DC5D6}"/>
+              </a:ext>
+            </a:extLst>
+          </p:cNvPr>
+          <p:cNvCxnSpPr>
+            <a:cxnSpLocks/>
+            <a:stCxn id="31" idx="2"/>
+            <a:endCxn id="41" idx="0"/>
+          </p:cNvCxnSpPr>
+          <p:nvPr/>
+        </p:nvCxnSpPr>
+        <p:spPr>
+          <a:xfrm>
+            <a:off x="2157682" y="4245356"/>
+            <a:ext cx="3834" cy="181361"/>
+          </a:xfrm>
+          <a:prstGeom prst="straightConnector1">
+            <a:avLst/>
+          </a:prstGeom>
+          <a:ln w="31750">
+            <a:solidFill>
+              <a:srgbClr val="FFFF00"/>
+            </a:solidFill>
+            <a:tailEnd type="triangle"/>
+          </a:ln>
+        </p:spPr>
+        <p:style>
+          <a:lnRef idx="1">
+            <a:schemeClr val="accent1"/>
+          </a:lnRef>
+          <a:fillRef idx="0">
+            <a:schemeClr val="accent1"/>
+          </a:fillRef>
+          <a:effectRef idx="0">
+            <a:schemeClr val="accent1"/>
+          </a:effectRef>
+          <a:fontRef idx="minor">
+            <a:schemeClr val="tx1"/>
+          </a:fontRef>
+        </p:style>
+      </p:cxnSp>
+      <p:sp>
+        <p:nvSpPr>
+          <p:cNvPr id="74" name="Process 73">
+            <a:extLst>
+              <a:ext uri="{FF2B5EF4-FFF2-40B4-BE49-F238E27FC236}">
+                <a16:creationId xmlns:a16="http://schemas.microsoft.com/office/drawing/2014/main" id="{77C33444-BC21-3B41-AC32-F51552F0F1EA}"/>
+              </a:ext>
+            </a:extLst>
+          </p:cNvPr>
+          <p:cNvSpPr/>
+          <p:nvPr/>
+        </p:nvSpPr>
+        <p:spPr>
+          <a:xfrm>
+            <a:off x="141738" y="5029064"/>
+            <a:ext cx="4047139" cy="394171"/>
+          </a:xfrm>
+          <a:prstGeom prst="flowChartProcess">
+            <a:avLst/>
+          </a:prstGeom>
+        </p:spPr>
+        <p:style>
+          <a:lnRef idx="3">
+            <a:schemeClr val="lt1"/>
+          </a:lnRef>
+          <a:fillRef idx="1">
+            <a:schemeClr val="accent2"/>
+          </a:fillRef>
+          <a:effectRef idx="1">
+            <a:schemeClr val="accent2"/>
+          </a:effectRef>
+          <a:fontRef idx="minor">
+            <a:schemeClr val="lt1"/>
+          </a:fontRef>
+        </p:style>
+        <p:txBody>
+          <a:bodyPr rtlCol="0" anchor="ctr"/>
+          <a:lstStyle/>
+          <a:p>
+            <a:pPr algn="ctr"/>
+            <a:r>
+              <a:rPr lang="en-US" sz="1400" dirty="0">
+                <a:solidFill>
+                  <a:schemeClr val="bg1"/>
+                </a:solidFill>
+              </a:rPr>
+              <a:t>Win = </a:t>
+            </a:r>
+            <a:r>
+              <a:rPr lang="en-US" sz="1400" dirty="0" err="1">
+                <a:solidFill>
+                  <a:schemeClr val="bg1"/>
+                </a:solidFill>
+              </a:rPr>
+              <a:t>ChipTotal</a:t>
+            </a:r>
+            <a:r>
+              <a:rPr lang="en-US" sz="1400" dirty="0">
+                <a:solidFill>
+                  <a:schemeClr val="bg1"/>
+                </a:solidFill>
+              </a:rPr>
+              <a:t> – </a:t>
+            </a:r>
+            <a:r>
+              <a:rPr lang="en-US" sz="1400" dirty="0" err="1">
+                <a:solidFill>
+                  <a:schemeClr val="bg1"/>
+                </a:solidFill>
+              </a:rPr>
+              <a:t>ReceiptTotal</a:t>
+            </a:r>
+            <a:r>
+              <a:rPr lang="en-US" sz="1400" dirty="0">
+                <a:solidFill>
+                  <a:schemeClr val="bg1"/>
+                </a:solidFill>
+              </a:rPr>
+              <a:t> </a:t>
+            </a:r>
+          </a:p>
+        </p:txBody>
+      </p:sp>
+      <p:sp>
+        <p:nvSpPr>
+          <p:cNvPr id="75" name="Predefined Process 74">
+            <a:extLst>
+              <a:ext uri="{FF2B5EF4-FFF2-40B4-BE49-F238E27FC236}">
+                <a16:creationId xmlns:a16="http://schemas.microsoft.com/office/drawing/2014/main" id="{69382CFA-388B-934D-B666-5465FA49C2A8}"/>
+              </a:ext>
+            </a:extLst>
+          </p:cNvPr>
+          <p:cNvSpPr/>
+          <p:nvPr/>
+        </p:nvSpPr>
+        <p:spPr>
+          <a:xfrm>
+            <a:off x="151516" y="5608660"/>
+            <a:ext cx="4054724" cy="614174"/>
+          </a:xfrm>
+          <a:prstGeom prst="flowChartPredefinedProcess">
+            <a:avLst/>
+          </a:prstGeom>
+          <a:solidFill>
+            <a:srgbClr val="C00000"/>
+          </a:solidFill>
+          <a:ln w="28575"/>
+        </p:spPr>
+        <p:style>
+          <a:lnRef idx="1">
+            <a:schemeClr val="dk1"/>
+          </a:lnRef>
+          <a:fillRef idx="3">
+            <a:schemeClr val="dk1"/>
+          </a:fillRef>
+          <a:effectRef idx="2">
+            <a:schemeClr val="dk1"/>
+          </a:effectRef>
+          <a:fontRef idx="minor">
+            <a:schemeClr val="lt1"/>
+          </a:fontRef>
+        </p:style>
+        <p:txBody>
+          <a:bodyPr rtlCol="0" anchor="ctr"/>
+          <a:lstStyle/>
+          <a:p>
+            <a:pPr algn="ctr"/>
+            <a:r>
+              <a:rPr lang="en-US" sz="1400" dirty="0"/>
+              <a:t>Call function </a:t>
+            </a:r>
+            <a:br>
+              <a:rPr lang="en-US" sz="1400" dirty="0"/>
+            </a:br>
+            <a:r>
+              <a:rPr lang="en-US" sz="1400" dirty="0" err="1"/>
+              <a:t>displayResults</a:t>
+            </a:r>
+            <a:r>
+              <a:rPr lang="en-US" sz="1400" dirty="0"/>
+              <a:t>(</a:t>
+            </a:r>
+            <a:r>
+              <a:rPr lang="en-US" sz="1400" dirty="0" err="1"/>
+              <a:t>ChipTotal</a:t>
+            </a:r>
+            <a:r>
+              <a:rPr lang="en-US" sz="1400" dirty="0"/>
+              <a:t>, Win)</a:t>
+            </a:r>
+          </a:p>
+        </p:txBody>
+      </p:sp>
+      <p:cxnSp>
+        <p:nvCxnSpPr>
+          <p:cNvPr id="76" name="Straight Arrow Connector 75">
+            <a:extLst>
+              <a:ext uri="{FF2B5EF4-FFF2-40B4-BE49-F238E27FC236}">
+                <a16:creationId xmlns:a16="http://schemas.microsoft.com/office/drawing/2014/main" id="{0878A178-DC9D-D64E-9100-F0838C4035EA}"/>
+              </a:ext>
+            </a:extLst>
+          </p:cNvPr>
+          <p:cNvCxnSpPr>
+            <a:cxnSpLocks/>
+            <a:stCxn id="41" idx="2"/>
+            <a:endCxn id="74" idx="0"/>
+          </p:cNvCxnSpPr>
+          <p:nvPr/>
+        </p:nvCxnSpPr>
+        <p:spPr>
+          <a:xfrm>
+            <a:off x="2161516" y="4795406"/>
+            <a:ext cx="3792" cy="233658"/>
+          </a:xfrm>
+          <a:prstGeom prst="straightConnector1">
+            <a:avLst/>
+          </a:prstGeom>
+          <a:ln w="31750">
+            <a:solidFill>
+              <a:srgbClr val="FFFF00"/>
+            </a:solidFill>
+            <a:tailEnd type="triangle"/>
+          </a:ln>
+        </p:spPr>
+        <p:style>
+          <a:lnRef idx="1">
+            <a:schemeClr val="accent1"/>
+          </a:lnRef>
+          <a:fillRef idx="0">
+            <a:schemeClr val="accent1"/>
+          </a:fillRef>
+          <a:effectRef idx="0">
+            <a:schemeClr val="accent1"/>
+          </a:effectRef>
+          <a:fontRef idx="minor">
+            <a:schemeClr val="tx1"/>
+          </a:fontRef>
+        </p:style>
+      </p:cxnSp>
+      <p:cxnSp>
+        <p:nvCxnSpPr>
+          <p:cNvPr id="79" name="Straight Arrow Connector 78">
+            <a:extLst>
+              <a:ext uri="{FF2B5EF4-FFF2-40B4-BE49-F238E27FC236}">
+                <a16:creationId xmlns:a16="http://schemas.microsoft.com/office/drawing/2014/main" id="{B794781A-5F8A-B94E-9FEC-F459C2EC99E0}"/>
+              </a:ext>
+            </a:extLst>
+          </p:cNvPr>
+          <p:cNvCxnSpPr>
+            <a:cxnSpLocks/>
+            <a:stCxn id="74" idx="2"/>
+            <a:endCxn id="75" idx="0"/>
+          </p:cNvCxnSpPr>
+          <p:nvPr/>
+        </p:nvCxnSpPr>
+        <p:spPr>
+          <a:xfrm>
+            <a:off x="2165308" y="5423235"/>
+            <a:ext cx="13571" cy="185425"/>
+          </a:xfrm>
+          <a:prstGeom prst="straightConnector1">
+            <a:avLst/>
+          </a:prstGeom>
+          <a:ln w="31750">
+            <a:solidFill>
+              <a:srgbClr val="FFFF00"/>
+            </a:solidFill>
+            <a:tailEnd type="triangle"/>
+          </a:ln>
+        </p:spPr>
+        <p:style>
+          <a:lnRef idx="1">
+            <a:schemeClr val="accent1"/>
+          </a:lnRef>
+          <a:fillRef idx="0">
+            <a:schemeClr val="accent1"/>
+          </a:fillRef>
+          <a:effectRef idx="0">
+            <a:schemeClr val="accent1"/>
+          </a:effectRef>
+          <a:fontRef idx="minor">
+            <a:schemeClr val="tx1"/>
+          </a:fontRef>
+        </p:style>
+      </p:cxnSp>
+      <p:cxnSp>
+        <p:nvCxnSpPr>
+          <p:cNvPr id="82" name="Straight Arrow Connector 81">
+            <a:extLst>
+              <a:ext uri="{FF2B5EF4-FFF2-40B4-BE49-F238E27FC236}">
+                <a16:creationId xmlns:a16="http://schemas.microsoft.com/office/drawing/2014/main" id="{6D36B52A-3F43-ED4F-BDBD-6127A666C653}"/>
+              </a:ext>
+            </a:extLst>
+          </p:cNvPr>
+          <p:cNvCxnSpPr>
+            <a:cxnSpLocks/>
+            <a:stCxn id="75" idx="2"/>
+            <a:endCxn id="27" idx="0"/>
+          </p:cNvCxnSpPr>
+          <p:nvPr/>
+        </p:nvCxnSpPr>
+        <p:spPr>
+          <a:xfrm flipH="1">
+            <a:off x="2168938" y="6222833"/>
+            <a:ext cx="9941" cy="183933"/>
+          </a:xfrm>
+          <a:prstGeom prst="straightConnector1">
+            <a:avLst/>
+          </a:prstGeom>
+          <a:ln w="31750">
+            <a:solidFill>
+              <a:srgbClr val="FFFF00"/>
+            </a:solidFill>
+            <a:tailEnd type="triangle"/>
+          </a:ln>
+        </p:spPr>
+        <p:style>
+          <a:lnRef idx="1">
+            <a:schemeClr val="accent1"/>
+          </a:lnRef>
+          <a:fillRef idx="0">
+            <a:schemeClr val="accent1"/>
+          </a:fillRef>
+          <a:effectRef idx="0">
+            <a:schemeClr val="accent1"/>
+          </a:effectRef>
+          <a:fontRef idx="minor">
+            <a:schemeClr val="tx1"/>
+          </a:fontRef>
+        </p:style>
+      </p:cxnSp>
+      <p:sp>
+        <p:nvSpPr>
+          <p:cNvPr id="87" name="Terminator 86">
+            <a:extLst>
+              <a:ext uri="{FF2B5EF4-FFF2-40B4-BE49-F238E27FC236}">
+                <a16:creationId xmlns:a16="http://schemas.microsoft.com/office/drawing/2014/main" id="{BD33580A-812D-A047-87C6-9A4F904189E5}"/>
+              </a:ext>
+            </a:extLst>
+          </p:cNvPr>
+          <p:cNvSpPr/>
+          <p:nvPr/>
+        </p:nvSpPr>
+        <p:spPr>
+          <a:xfrm>
+            <a:off x="5591463" y="112244"/>
+            <a:ext cx="2204689" cy="423292"/>
+          </a:xfrm>
+          <a:prstGeom prst="flowChartTerminator">
+            <a:avLst/>
+          </a:prstGeom>
+          <a:solidFill>
+            <a:srgbClr val="C00000"/>
+          </a:solidFill>
+        </p:spPr>
+        <p:style>
+          <a:lnRef idx="2">
+            <a:schemeClr val="accent1">
+              <a:shade val="50000"/>
+            </a:schemeClr>
+          </a:lnRef>
+          <a:fillRef idx="1">
+            <a:schemeClr val="accent1"/>
+          </a:fillRef>
+          <a:effectRef idx="0">
+            <a:schemeClr val="accent1"/>
+          </a:effectRef>
+          <a:fontRef idx="minor">
+            <a:schemeClr val="lt1"/>
+          </a:fontRef>
+        </p:style>
+        <p:txBody>
+          <a:bodyPr rtlCol="0" anchor="ctr"/>
+          <a:lstStyle/>
+          <a:p>
+            <a:pPr algn="ctr"/>
+            <a:r>
+              <a:rPr lang="en-US" sz="1400" dirty="0" err="1">
+                <a:solidFill>
+                  <a:schemeClr val="tx1"/>
+                </a:solidFill>
+              </a:rPr>
+              <a:t>displayResults</a:t>
+            </a:r>
+            <a:r>
+              <a:rPr lang="en-US" sz="1400" dirty="0">
+                <a:solidFill>
+                  <a:schemeClr val="tx1"/>
+                </a:solidFill>
+              </a:rPr>
+              <a:t>(Tot, Win)</a:t>
+            </a:r>
+          </a:p>
+        </p:txBody>
+      </p:sp>
+      <p:sp>
+        <p:nvSpPr>
+          <p:cNvPr id="88" name="Process 87">
+            <a:extLst>
+              <a:ext uri="{FF2B5EF4-FFF2-40B4-BE49-F238E27FC236}">
+                <a16:creationId xmlns:a16="http://schemas.microsoft.com/office/drawing/2014/main" id="{5A8970CC-4BED-AF4C-B721-C0E6D7267A58}"/>
+              </a:ext>
+            </a:extLst>
+          </p:cNvPr>
+          <p:cNvSpPr/>
+          <p:nvPr/>
+        </p:nvSpPr>
+        <p:spPr>
+          <a:xfrm>
+            <a:off x="5567113" y="753561"/>
+            <a:ext cx="2282915" cy="304576"/>
+          </a:xfrm>
+          <a:prstGeom prst="flowChartProcess">
+            <a:avLst/>
+          </a:prstGeom>
+        </p:spPr>
+        <p:style>
+          <a:lnRef idx="3">
+            <a:schemeClr val="lt1"/>
+          </a:lnRef>
+          <a:fillRef idx="1">
+            <a:schemeClr val="accent2"/>
+          </a:fillRef>
+          <a:effectRef idx="1">
+            <a:schemeClr val="accent2"/>
+          </a:effectRef>
+          <a:fontRef idx="minor">
+            <a:schemeClr val="lt1"/>
+          </a:fontRef>
+        </p:style>
+        <p:txBody>
+          <a:bodyPr rtlCol="0" anchor="ctr"/>
+          <a:lstStyle/>
+          <a:p>
+            <a:pPr algn="ctr"/>
+            <a:r>
+              <a:rPr lang="en-US" sz="1400" dirty="0">
+                <a:solidFill>
+                  <a:schemeClr val="bg1"/>
+                </a:solidFill>
+              </a:rPr>
+              <a:t>Tax=0, SSN="000-00-0000”</a:t>
+            </a:r>
+          </a:p>
+        </p:txBody>
+      </p:sp>
+      <p:cxnSp>
+        <p:nvCxnSpPr>
+          <p:cNvPr id="89" name="Straight Arrow Connector 88">
+            <a:extLst>
+              <a:ext uri="{FF2B5EF4-FFF2-40B4-BE49-F238E27FC236}">
+                <a16:creationId xmlns:a16="http://schemas.microsoft.com/office/drawing/2014/main" id="{09ED37A9-E48B-1F44-9D9B-C9E3811726C4}"/>
+              </a:ext>
+            </a:extLst>
+          </p:cNvPr>
+          <p:cNvCxnSpPr>
+            <a:cxnSpLocks/>
+            <a:stCxn id="87" idx="2"/>
+            <a:endCxn id="88" idx="0"/>
+          </p:cNvCxnSpPr>
+          <p:nvPr/>
+        </p:nvCxnSpPr>
+        <p:spPr>
+          <a:xfrm>
+            <a:off x="6693808" y="535536"/>
+            <a:ext cx="14763" cy="218025"/>
+          </a:xfrm>
+          <a:prstGeom prst="straightConnector1">
+            <a:avLst/>
+          </a:prstGeom>
+          <a:ln w="31750">
+            <a:solidFill>
+              <a:srgbClr val="FFFF00"/>
+            </a:solidFill>
+            <a:tailEnd type="triangle"/>
+          </a:ln>
+        </p:spPr>
+        <p:style>
+          <a:lnRef idx="1">
+            <a:schemeClr val="accent1"/>
+          </a:lnRef>
+          <a:fillRef idx="0">
+            <a:schemeClr val="accent1"/>
+          </a:fillRef>
+          <a:effectRef idx="0">
+            <a:schemeClr val="accent1"/>
+          </a:effectRef>
+          <a:fontRef idx="minor">
+            <a:schemeClr val="tx1"/>
+          </a:fontRef>
+        </p:style>
+      </p:cxnSp>
+      <p:cxnSp>
+        <p:nvCxnSpPr>
+          <p:cNvPr id="90" name="Straight Arrow Connector 89">
+            <a:extLst>
+              <a:ext uri="{FF2B5EF4-FFF2-40B4-BE49-F238E27FC236}">
+                <a16:creationId xmlns:a16="http://schemas.microsoft.com/office/drawing/2014/main" id="{0322A924-87A3-A34D-A4F1-85641DC92E9F}"/>
+              </a:ext>
+            </a:extLst>
+          </p:cNvPr>
+          <p:cNvCxnSpPr>
+            <a:cxnSpLocks/>
+            <a:stCxn id="88" idx="2"/>
+            <a:endCxn id="214" idx="0"/>
+          </p:cNvCxnSpPr>
+          <p:nvPr/>
+        </p:nvCxnSpPr>
+        <p:spPr>
+          <a:xfrm>
+            <a:off x="6708571" y="1058137"/>
+            <a:ext cx="2733" cy="206376"/>
+          </a:xfrm>
+          <a:prstGeom prst="straightConnector1">
+            <a:avLst/>
+          </a:prstGeom>
+          <a:ln w="31750">
+            <a:solidFill>
+              <a:srgbClr val="FFFF00"/>
+            </a:solidFill>
+            <a:tailEnd type="triangle"/>
+          </a:ln>
+        </p:spPr>
+        <p:style>
+          <a:lnRef idx="1">
+            <a:schemeClr val="accent1"/>
+          </a:lnRef>
+          <a:fillRef idx="0">
+            <a:schemeClr val="accent1"/>
+          </a:fillRef>
+          <a:effectRef idx="0">
+            <a:schemeClr val="accent1"/>
+          </a:effectRef>
+          <a:fontRef idx="minor">
+            <a:schemeClr val="tx1"/>
+          </a:fontRef>
+        </p:style>
+      </p:cxnSp>
+      <p:sp>
+        <p:nvSpPr>
+          <p:cNvPr id="97" name="Decision 96">
+            <a:extLst>
+              <a:ext uri="{FF2B5EF4-FFF2-40B4-BE49-F238E27FC236}">
+                <a16:creationId xmlns:a16="http://schemas.microsoft.com/office/drawing/2014/main" id="{97C49871-A93E-E04A-BCA3-D5E0883B3BBD}"/>
+              </a:ext>
+            </a:extLst>
+          </p:cNvPr>
+          <p:cNvSpPr/>
+          <p:nvPr/>
+        </p:nvSpPr>
+        <p:spPr>
+          <a:xfrm>
+            <a:off x="5574786" y="1898153"/>
+            <a:ext cx="2282915" cy="561309"/>
+          </a:xfrm>
+          <a:prstGeom prst="flowChartDecision">
+            <a:avLst/>
+          </a:prstGeom>
+          <a:solidFill>
+            <a:srgbClr val="92D050"/>
+          </a:solidFill>
+        </p:spPr>
+        <p:style>
+          <a:lnRef idx="2">
+            <a:schemeClr val="accent1">
+              <a:shade val="50000"/>
+            </a:schemeClr>
+          </a:lnRef>
+          <a:fillRef idx="1">
+            <a:schemeClr val="accent1"/>
+          </a:fillRef>
+          <a:effectRef idx="0">
+            <a:schemeClr val="accent1"/>
+          </a:effectRef>
+          <a:fontRef idx="minor">
+            <a:schemeClr val="lt1"/>
+          </a:fontRef>
+        </p:style>
+        <p:txBody>
+          <a:bodyPr rtlCol="0" anchor="ctr"/>
+          <a:lstStyle/>
+          <a:p>
+            <a:pPr algn="ctr"/>
+            <a:r>
+              <a:rPr lang="en-US" sz="1400" dirty="0">
+                <a:solidFill>
+                  <a:schemeClr val="bg1"/>
+                </a:solidFill>
+              </a:rPr>
+              <a:t>CNMI Resident?</a:t>
+            </a:r>
+          </a:p>
+        </p:txBody>
+      </p:sp>
+      <p:cxnSp>
+        <p:nvCxnSpPr>
+          <p:cNvPr id="110" name="Straight Arrow Connector 109">
+            <a:extLst>
+              <a:ext uri="{FF2B5EF4-FFF2-40B4-BE49-F238E27FC236}">
+                <a16:creationId xmlns:a16="http://schemas.microsoft.com/office/drawing/2014/main" id="{EB7E334F-15CF-CB4F-9D17-3E9CE3A81764}"/>
+              </a:ext>
+            </a:extLst>
+          </p:cNvPr>
+          <p:cNvCxnSpPr>
+            <a:cxnSpLocks/>
+            <a:stCxn id="97" idx="3"/>
+            <a:endCxn id="95" idx="1"/>
+          </p:cNvCxnSpPr>
+          <p:nvPr/>
+        </p:nvCxnSpPr>
+        <p:spPr>
+          <a:xfrm>
+            <a:off x="7857701" y="2178808"/>
+            <a:ext cx="350809" cy="6059"/>
+          </a:xfrm>
+          <a:prstGeom prst="straightConnector1">
+            <a:avLst/>
+          </a:prstGeom>
+          <a:ln w="31750">
+            <a:solidFill>
+              <a:srgbClr val="FFFF00"/>
+            </a:solidFill>
+            <a:tailEnd type="triangle"/>
+          </a:ln>
+        </p:spPr>
+        <p:style>
+          <a:lnRef idx="1">
+            <a:schemeClr val="accent1"/>
+          </a:lnRef>
+          <a:fillRef idx="0">
+            <a:schemeClr val="accent1"/>
+          </a:fillRef>
+          <a:effectRef idx="0">
+            <a:schemeClr val="accent1"/>
+          </a:effectRef>
+          <a:fontRef idx="minor">
+            <a:schemeClr val="tx1"/>
+          </a:fontRef>
+        </p:style>
+      </p:cxnSp>
+      <p:sp>
+        <p:nvSpPr>
+          <p:cNvPr id="117" name="Terminator 116">
+            <a:extLst>
+              <a:ext uri="{FF2B5EF4-FFF2-40B4-BE49-F238E27FC236}">
+                <a16:creationId xmlns:a16="http://schemas.microsoft.com/office/drawing/2014/main" id="{11FE5176-29DF-7740-A6FE-19B7C06BBEAF}"/>
+              </a:ext>
+            </a:extLst>
+          </p:cNvPr>
+          <p:cNvSpPr/>
+          <p:nvPr/>
+        </p:nvSpPr>
+        <p:spPr>
+          <a:xfrm>
+            <a:off x="5899473" y="6246953"/>
+            <a:ext cx="1397224" cy="423292"/>
+          </a:xfrm>
+          <a:prstGeom prst="flowChartTerminator">
+            <a:avLst/>
+          </a:prstGeom>
+          <a:solidFill>
+            <a:srgbClr val="C00000"/>
+          </a:solidFill>
+        </p:spPr>
+        <p:style>
+          <a:lnRef idx="2">
+            <a:schemeClr val="accent1">
+              <a:shade val="50000"/>
+            </a:schemeClr>
+          </a:lnRef>
+          <a:fillRef idx="1">
+            <a:schemeClr val="accent1"/>
+          </a:fillRef>
+          <a:effectRef idx="0">
+            <a:schemeClr val="accent1"/>
+          </a:effectRef>
+          <a:fontRef idx="minor">
+            <a:schemeClr val="lt1"/>
+          </a:fontRef>
+        </p:style>
+        <p:txBody>
+          <a:bodyPr rtlCol="0" anchor="ctr"/>
+          <a:lstStyle/>
+          <a:p>
+            <a:pPr algn="ctr"/>
+            <a:r>
+              <a:rPr lang="en-US" sz="1400" dirty="0">
+                <a:solidFill>
+                  <a:schemeClr val="tx1"/>
+                </a:solidFill>
+              </a:rPr>
+              <a:t>Return</a:t>
+            </a:r>
+          </a:p>
+        </p:txBody>
+      </p:sp>
+      <p:cxnSp>
+        <p:nvCxnSpPr>
+          <p:cNvPr id="121" name="Straight Arrow Connector 120">
+            <a:extLst>
+              <a:ext uri="{FF2B5EF4-FFF2-40B4-BE49-F238E27FC236}">
+                <a16:creationId xmlns:a16="http://schemas.microsoft.com/office/drawing/2014/main" id="{496F32B4-5D56-5047-9316-1A2BCC70B46F}"/>
+              </a:ext>
+            </a:extLst>
+          </p:cNvPr>
+          <p:cNvCxnSpPr>
+            <a:cxnSpLocks/>
+            <a:stCxn id="97" idx="2"/>
+            <a:endCxn id="96" idx="0"/>
+          </p:cNvCxnSpPr>
+          <p:nvPr/>
+        </p:nvCxnSpPr>
+        <p:spPr>
+          <a:xfrm flipH="1">
+            <a:off x="6703216" y="2459462"/>
+            <a:ext cx="13028" cy="220476"/>
+          </a:xfrm>
+          <a:prstGeom prst="straightConnector1">
+            <a:avLst/>
+          </a:prstGeom>
+          <a:ln w="31750">
+            <a:solidFill>
+              <a:srgbClr val="FFFF00"/>
+            </a:solidFill>
+            <a:tailEnd type="triangle"/>
+          </a:ln>
+        </p:spPr>
+        <p:style>
+          <a:lnRef idx="1">
+            <a:schemeClr val="accent1"/>
+          </a:lnRef>
+          <a:fillRef idx="0">
+            <a:schemeClr val="accent1"/>
+          </a:fillRef>
+          <a:effectRef idx="0">
+            <a:schemeClr val="accent1"/>
+          </a:effectRef>
+          <a:fontRef idx="minor">
+            <a:schemeClr val="tx1"/>
+          </a:fontRef>
+        </p:style>
+      </p:cxnSp>
+      <p:sp>
+        <p:nvSpPr>
+          <p:cNvPr id="133" name="Display 132">
+            <a:extLst>
+              <a:ext uri="{FF2B5EF4-FFF2-40B4-BE49-F238E27FC236}">
+                <a16:creationId xmlns:a16="http://schemas.microsoft.com/office/drawing/2014/main" id="{D626DDE0-81E6-6343-B7C9-4A0DDBA550B5}"/>
+              </a:ext>
+            </a:extLst>
+          </p:cNvPr>
+          <p:cNvSpPr/>
+          <p:nvPr/>
+        </p:nvSpPr>
+        <p:spPr>
+          <a:xfrm>
+            <a:off x="6894943" y="4564132"/>
+            <a:ext cx="1990763" cy="295936"/>
+          </a:xfrm>
+          <a:prstGeom prst="flowChartDisplay">
+            <a:avLst/>
+          </a:prstGeom>
+        </p:spPr>
+        <p:style>
+          <a:lnRef idx="2">
+            <a:schemeClr val="accent6"/>
+          </a:lnRef>
+          <a:fillRef idx="1">
+            <a:schemeClr val="lt1"/>
+          </a:fillRef>
+          <a:effectRef idx="0">
+            <a:schemeClr val="accent6"/>
+          </a:effectRef>
+          <a:fontRef idx="minor">
+            <a:schemeClr val="dk1"/>
+          </a:fontRef>
+        </p:style>
+        <p:txBody>
+          <a:bodyPr rtlCol="0" anchor="ctr"/>
+          <a:lstStyle/>
+          <a:p>
+            <a:pPr algn="ctr"/>
+            <a:r>
+              <a:rPr lang="en-US" sz="1400" dirty="0"/>
+              <a:t>Display: Winner</a:t>
+            </a:r>
+          </a:p>
+        </p:txBody>
+      </p:sp>
+      <p:sp>
+        <p:nvSpPr>
+          <p:cNvPr id="134" name="Process 133">
+            <a:extLst>
+              <a:ext uri="{FF2B5EF4-FFF2-40B4-BE49-F238E27FC236}">
+                <a16:creationId xmlns:a16="http://schemas.microsoft.com/office/drawing/2014/main" id="{0F720F27-120F-8449-8573-B845A7EB3B7A}"/>
+              </a:ext>
+            </a:extLst>
+          </p:cNvPr>
+          <p:cNvSpPr/>
+          <p:nvPr/>
+        </p:nvSpPr>
+        <p:spPr>
+          <a:xfrm>
+            <a:off x="10021721" y="2032764"/>
+            <a:ext cx="1550016" cy="295936"/>
+          </a:xfrm>
+          <a:prstGeom prst="flowChartProcess">
+            <a:avLst/>
+          </a:prstGeom>
+        </p:spPr>
+        <p:style>
+          <a:lnRef idx="3">
+            <a:schemeClr val="lt1"/>
+          </a:lnRef>
+          <a:fillRef idx="1">
+            <a:schemeClr val="accent2"/>
+          </a:fillRef>
+          <a:effectRef idx="1">
+            <a:schemeClr val="accent2"/>
+          </a:effectRef>
+          <a:fontRef idx="minor">
+            <a:schemeClr val="lt1"/>
+          </a:fontRef>
+        </p:style>
+        <p:txBody>
+          <a:bodyPr rtlCol="0" anchor="ctr"/>
+          <a:lstStyle/>
+          <a:p>
+            <a:pPr algn="ctr"/>
+            <a:r>
+              <a:rPr lang="en-US" sz="1400" dirty="0">
+                <a:solidFill>
+                  <a:schemeClr val="bg1"/>
+                </a:solidFill>
+              </a:rPr>
+              <a:t>Tax = 0.10 * Win</a:t>
+            </a:r>
+          </a:p>
+        </p:txBody>
+      </p:sp>
+      <p:cxnSp>
+        <p:nvCxnSpPr>
+          <p:cNvPr id="150" name="Elbow Connector 149">
+            <a:extLst>
+              <a:ext uri="{FF2B5EF4-FFF2-40B4-BE49-F238E27FC236}">
+                <a16:creationId xmlns:a16="http://schemas.microsoft.com/office/drawing/2014/main" id="{CA130526-8DB7-C04C-8B06-33B411453042}"/>
+              </a:ext>
+            </a:extLst>
+          </p:cNvPr>
+          <p:cNvCxnSpPr>
+            <a:cxnSpLocks/>
+            <a:stCxn id="134" idx="3"/>
+            <a:endCxn id="128" idx="0"/>
+          </p:cNvCxnSpPr>
+          <p:nvPr/>
+        </p:nvCxnSpPr>
+        <p:spPr>
+          <a:xfrm>
+            <a:off x="11571737" y="2180732"/>
+            <a:ext cx="397787" cy="696709"/>
+          </a:xfrm>
+          <a:prstGeom prst="bentConnector2">
+            <a:avLst/>
+          </a:prstGeom>
+          <a:ln w="31750">
+            <a:solidFill>
+              <a:srgbClr val="FFFF00"/>
+            </a:solidFill>
+            <a:tailEnd type="triangle"/>
+          </a:ln>
+        </p:spPr>
+        <p:style>
+          <a:lnRef idx="1">
+            <a:schemeClr val="accent1"/>
+          </a:lnRef>
+          <a:fillRef idx="0">
+            <a:schemeClr val="accent1"/>
+          </a:fillRef>
+          <a:effectRef idx="0">
+            <a:schemeClr val="accent1"/>
+          </a:effectRef>
+          <a:fontRef idx="minor">
+            <a:schemeClr val="tx1"/>
+          </a:fontRef>
+        </p:style>
+      </p:cxnSp>
+      <p:sp>
+        <p:nvSpPr>
+          <p:cNvPr id="158" name="TextBox 157">
+            <a:extLst>
+              <a:ext uri="{FF2B5EF4-FFF2-40B4-BE49-F238E27FC236}">
+                <a16:creationId xmlns:a16="http://schemas.microsoft.com/office/drawing/2014/main" id="{FD98E0FF-38DC-064A-9CB9-D2A50311BA72}"/>
+              </a:ext>
+            </a:extLst>
+          </p:cNvPr>
+          <p:cNvSpPr txBox="1"/>
+          <p:nvPr/>
+        </p:nvSpPr>
+        <p:spPr>
+          <a:xfrm>
+            <a:off x="7594419" y="1800737"/>
+            <a:ext cx="612668" cy="369332"/>
+          </a:xfrm>
+          <a:prstGeom prst="rect">
+            <a:avLst/>
+          </a:prstGeom>
+          <a:noFill/>
+        </p:spPr>
+        <p:txBody>
+          <a:bodyPr wrap="none" rtlCol="0">
+            <a:spAutoFit/>
+          </a:bodyPr>
+          <a:lstStyle/>
+          <a:p>
+            <a:r>
+              <a:rPr lang="en-US" dirty="0"/>
+              <a:t>True</a:t>
+            </a:r>
+          </a:p>
+        </p:txBody>
+      </p:sp>
+      <p:sp>
+        <p:nvSpPr>
+          <p:cNvPr id="159" name="TextBox 158">
+            <a:extLst>
+              <a:ext uri="{FF2B5EF4-FFF2-40B4-BE49-F238E27FC236}">
+                <a16:creationId xmlns:a16="http://schemas.microsoft.com/office/drawing/2014/main" id="{F0091CDD-CD6F-F948-98ED-2766FA910E83}"/>
+              </a:ext>
+            </a:extLst>
+          </p:cNvPr>
+          <p:cNvSpPr txBox="1"/>
+          <p:nvPr/>
+        </p:nvSpPr>
+        <p:spPr>
+          <a:xfrm>
+            <a:off x="6049443" y="2408022"/>
+            <a:ext cx="641522" cy="369332"/>
+          </a:xfrm>
+          <a:prstGeom prst="rect">
+            <a:avLst/>
+          </a:prstGeom>
+          <a:noFill/>
+        </p:spPr>
+        <p:txBody>
+          <a:bodyPr wrap="none" rtlCol="0">
+            <a:spAutoFit/>
+          </a:bodyPr>
+          <a:lstStyle/>
+          <a:p>
+            <a:r>
+              <a:rPr lang="en-US" dirty="0"/>
+              <a:t>False</a:t>
+            </a:r>
+          </a:p>
+        </p:txBody>
+      </p:sp>
+      <p:sp>
+        <p:nvSpPr>
+          <p:cNvPr id="214" name="Manual Input 213">
+            <a:extLst>
+              <a:ext uri="{FF2B5EF4-FFF2-40B4-BE49-F238E27FC236}">
+                <a16:creationId xmlns:a16="http://schemas.microsoft.com/office/drawing/2014/main" id="{2568E950-611D-E149-8D4F-33C262FFED26}"/>
+              </a:ext>
+            </a:extLst>
+          </p:cNvPr>
+          <p:cNvSpPr/>
+          <p:nvPr/>
+        </p:nvSpPr>
+        <p:spPr>
+          <a:xfrm>
+            <a:off x="5936296" y="1218793"/>
+            <a:ext cx="1550016" cy="457200"/>
+          </a:xfrm>
+          <a:prstGeom prst="flowChartManualInput">
+            <a:avLst/>
+          </a:prstGeom>
+        </p:spPr>
+        <p:style>
+          <a:lnRef idx="2">
+            <a:schemeClr val="accent6"/>
+          </a:lnRef>
+          <a:fillRef idx="1">
+            <a:schemeClr val="lt1"/>
+          </a:fillRef>
+          <a:effectRef idx="0">
+            <a:schemeClr val="accent6"/>
+          </a:effectRef>
+          <a:fontRef idx="minor">
+            <a:schemeClr val="dk1"/>
+          </a:fontRef>
+        </p:style>
+        <p:txBody>
+          <a:bodyPr rtlCol="0" anchor="ctr"/>
+          <a:lstStyle/>
+          <a:p>
+            <a:pPr algn="ctr"/>
+            <a:r>
+              <a:rPr lang="en-US" sz="1400" dirty="0"/>
+              <a:t>What is residency?</a:t>
+            </a:r>
+          </a:p>
+        </p:txBody>
+      </p:sp>
+      <p:cxnSp>
+        <p:nvCxnSpPr>
+          <p:cNvPr id="91" name="Straight Arrow Connector 90">
+            <a:extLst>
+              <a:ext uri="{FF2B5EF4-FFF2-40B4-BE49-F238E27FC236}">
+                <a16:creationId xmlns:a16="http://schemas.microsoft.com/office/drawing/2014/main" id="{CD2F3721-94E6-214C-9E76-4ED1E3CFD672}"/>
+              </a:ext>
+            </a:extLst>
+          </p:cNvPr>
+          <p:cNvCxnSpPr>
+            <a:cxnSpLocks/>
+            <a:stCxn id="214" idx="2"/>
+            <a:endCxn id="97" idx="0"/>
+          </p:cNvCxnSpPr>
+          <p:nvPr/>
+        </p:nvCxnSpPr>
+        <p:spPr>
+          <a:xfrm>
+            <a:off x="6711304" y="1675993"/>
+            <a:ext cx="4940" cy="222160"/>
+          </a:xfrm>
+          <a:prstGeom prst="straightConnector1">
+            <a:avLst/>
+          </a:prstGeom>
+          <a:ln w="31750">
+            <a:solidFill>
+              <a:srgbClr val="FFFF00"/>
+            </a:solidFill>
+            <a:tailEnd type="triangle"/>
+          </a:ln>
+        </p:spPr>
+        <p:style>
+          <a:lnRef idx="1">
+            <a:schemeClr val="accent1"/>
+          </a:lnRef>
+          <a:fillRef idx="0">
+            <a:schemeClr val="accent1"/>
+          </a:fillRef>
+          <a:effectRef idx="0">
+            <a:schemeClr val="accent1"/>
+          </a:effectRef>
+          <a:fontRef idx="minor">
+            <a:schemeClr val="tx1"/>
+          </a:fontRef>
+        </p:style>
+      </p:cxnSp>
+      <p:sp>
+        <p:nvSpPr>
+          <p:cNvPr id="95" name="Manual Input 94">
+            <a:extLst>
+              <a:ext uri="{FF2B5EF4-FFF2-40B4-BE49-F238E27FC236}">
+                <a16:creationId xmlns:a16="http://schemas.microsoft.com/office/drawing/2014/main" id="{3B24CA06-35CF-3E45-94FD-03B628D0D451}"/>
+              </a:ext>
+            </a:extLst>
+          </p:cNvPr>
+          <p:cNvSpPr/>
+          <p:nvPr/>
+        </p:nvSpPr>
+        <p:spPr>
+          <a:xfrm>
+            <a:off x="8208510" y="1956267"/>
+            <a:ext cx="1550016" cy="457200"/>
+          </a:xfrm>
+          <a:prstGeom prst="flowChartManualInput">
+            <a:avLst/>
+          </a:prstGeom>
+        </p:spPr>
+        <p:style>
+          <a:lnRef idx="2">
+            <a:schemeClr val="accent6"/>
+          </a:lnRef>
+          <a:fillRef idx="1">
+            <a:schemeClr val="lt1"/>
+          </a:fillRef>
+          <a:effectRef idx="0">
+            <a:schemeClr val="accent6"/>
+          </a:effectRef>
+          <a:fontRef idx="minor">
+            <a:schemeClr val="dk1"/>
+          </a:fontRef>
+        </p:style>
+        <p:txBody>
+          <a:bodyPr rtlCol="0" anchor="ctr"/>
+          <a:lstStyle/>
+          <a:p>
+            <a:pPr algn="ctr"/>
+            <a:r>
+              <a:rPr lang="en-US" sz="1400" dirty="0"/>
+              <a:t>What SSN?</a:t>
+            </a:r>
+          </a:p>
+        </p:txBody>
+      </p:sp>
+      <p:sp>
+        <p:nvSpPr>
+          <p:cNvPr id="96" name="Decision 95">
+            <a:extLst>
+              <a:ext uri="{FF2B5EF4-FFF2-40B4-BE49-F238E27FC236}">
+                <a16:creationId xmlns:a16="http://schemas.microsoft.com/office/drawing/2014/main" id="{1A10B8F6-2C5B-114F-BB8C-789C950F4805}"/>
+              </a:ext>
+            </a:extLst>
+          </p:cNvPr>
+          <p:cNvSpPr/>
+          <p:nvPr/>
+        </p:nvSpPr>
+        <p:spPr>
+          <a:xfrm>
+            <a:off x="5601458" y="2679938"/>
+            <a:ext cx="2203515" cy="561309"/>
+          </a:xfrm>
+          <a:prstGeom prst="flowChartDecision">
+            <a:avLst/>
+          </a:prstGeom>
+          <a:solidFill>
+            <a:srgbClr val="92D050"/>
+          </a:solidFill>
+        </p:spPr>
+        <p:style>
+          <a:lnRef idx="2">
+            <a:schemeClr val="accent1">
+              <a:shade val="50000"/>
+            </a:schemeClr>
+          </a:lnRef>
+          <a:fillRef idx="1">
+            <a:schemeClr val="accent1"/>
+          </a:fillRef>
+          <a:effectRef idx="0">
+            <a:schemeClr val="accent1"/>
+          </a:effectRef>
+          <a:fontRef idx="minor">
+            <a:schemeClr val="lt1"/>
+          </a:fontRef>
+        </p:style>
+        <p:txBody>
+          <a:bodyPr rtlCol="0" anchor="ctr"/>
+          <a:lstStyle/>
+          <a:p>
+            <a:pPr algn="ctr"/>
+            <a:r>
+              <a:rPr lang="en-US" sz="1400" dirty="0">
+                <a:solidFill>
+                  <a:schemeClr val="bg1"/>
+                </a:solidFill>
+              </a:rPr>
+              <a:t>USA </a:t>
+            </a:r>
+            <a:br>
+              <a:rPr lang="en-US" sz="1400" dirty="0">
+                <a:solidFill>
+                  <a:schemeClr val="bg1"/>
+                </a:solidFill>
+              </a:rPr>
+            </a:br>
+            <a:r>
+              <a:rPr lang="en-US" sz="1400" dirty="0">
+                <a:solidFill>
+                  <a:schemeClr val="bg1"/>
+                </a:solidFill>
+              </a:rPr>
+              <a:t>Resident?</a:t>
+            </a:r>
+          </a:p>
+        </p:txBody>
+      </p:sp>
+      <p:cxnSp>
+        <p:nvCxnSpPr>
+          <p:cNvPr id="103" name="Straight Arrow Connector 102">
+            <a:extLst>
+              <a:ext uri="{FF2B5EF4-FFF2-40B4-BE49-F238E27FC236}">
+                <a16:creationId xmlns:a16="http://schemas.microsoft.com/office/drawing/2014/main" id="{8782921F-BDFB-B140-81DF-42DCFB8082C0}"/>
+              </a:ext>
+            </a:extLst>
+          </p:cNvPr>
+          <p:cNvCxnSpPr>
+            <a:cxnSpLocks/>
+            <a:stCxn id="95" idx="3"/>
+            <a:endCxn id="134" idx="1"/>
+          </p:cNvCxnSpPr>
+          <p:nvPr/>
+        </p:nvCxnSpPr>
+        <p:spPr>
+          <a:xfrm flipV="1">
+            <a:off x="9758526" y="2180732"/>
+            <a:ext cx="263195" cy="4135"/>
+          </a:xfrm>
+          <a:prstGeom prst="straightConnector1">
+            <a:avLst/>
+          </a:prstGeom>
+          <a:ln w="31750">
+            <a:solidFill>
+              <a:srgbClr val="FFFF00"/>
+            </a:solidFill>
+            <a:tailEnd type="triangle"/>
+          </a:ln>
+        </p:spPr>
+        <p:style>
+          <a:lnRef idx="1">
+            <a:schemeClr val="accent1"/>
+          </a:lnRef>
+          <a:fillRef idx="0">
+            <a:schemeClr val="accent1"/>
+          </a:fillRef>
+          <a:effectRef idx="0">
+            <a:schemeClr val="accent1"/>
+          </a:effectRef>
+          <a:fontRef idx="minor">
+            <a:schemeClr val="tx1"/>
+          </a:fontRef>
+        </p:style>
+      </p:cxnSp>
+      <p:cxnSp>
+        <p:nvCxnSpPr>
+          <p:cNvPr id="111" name="Straight Arrow Connector 110">
+            <a:extLst>
+              <a:ext uri="{FF2B5EF4-FFF2-40B4-BE49-F238E27FC236}">
+                <a16:creationId xmlns:a16="http://schemas.microsoft.com/office/drawing/2014/main" id="{7887991A-4934-A342-8377-655CCAA058DE}"/>
+              </a:ext>
+            </a:extLst>
+          </p:cNvPr>
+          <p:cNvCxnSpPr>
+            <a:cxnSpLocks/>
+            <a:stCxn id="96" idx="3"/>
+            <a:endCxn id="113" idx="1"/>
+          </p:cNvCxnSpPr>
+          <p:nvPr/>
+        </p:nvCxnSpPr>
+        <p:spPr>
+          <a:xfrm flipV="1">
+            <a:off x="7804973" y="2957855"/>
+            <a:ext cx="373786" cy="2738"/>
+          </a:xfrm>
+          <a:prstGeom prst="straightConnector1">
+            <a:avLst/>
+          </a:prstGeom>
+          <a:ln w="31750">
+            <a:solidFill>
+              <a:srgbClr val="FFFF00"/>
+            </a:solidFill>
+            <a:tailEnd type="triangle"/>
+          </a:ln>
+        </p:spPr>
+        <p:style>
+          <a:lnRef idx="1">
+            <a:schemeClr val="accent1"/>
+          </a:lnRef>
+          <a:fillRef idx="0">
+            <a:schemeClr val="accent1"/>
+          </a:fillRef>
+          <a:effectRef idx="0">
+            <a:schemeClr val="accent1"/>
+          </a:effectRef>
+          <a:fontRef idx="minor">
+            <a:schemeClr val="tx1"/>
+          </a:fontRef>
+        </p:style>
+      </p:cxnSp>
+      <p:sp>
+        <p:nvSpPr>
+          <p:cNvPr id="112" name="Process 111">
+            <a:extLst>
+              <a:ext uri="{FF2B5EF4-FFF2-40B4-BE49-F238E27FC236}">
+                <a16:creationId xmlns:a16="http://schemas.microsoft.com/office/drawing/2014/main" id="{6621D3B5-E90D-394B-AD59-FF792F5B805A}"/>
+              </a:ext>
+            </a:extLst>
+          </p:cNvPr>
+          <p:cNvSpPr/>
+          <p:nvPr/>
+        </p:nvSpPr>
+        <p:spPr>
+          <a:xfrm>
+            <a:off x="10005702" y="2817944"/>
+            <a:ext cx="1536284" cy="295936"/>
+          </a:xfrm>
+          <a:prstGeom prst="flowChartProcess">
+            <a:avLst/>
+          </a:prstGeom>
+        </p:spPr>
+        <p:style>
+          <a:lnRef idx="3">
+            <a:schemeClr val="lt1"/>
+          </a:lnRef>
+          <a:fillRef idx="1">
+            <a:schemeClr val="accent2"/>
+          </a:fillRef>
+          <a:effectRef idx="1">
+            <a:schemeClr val="accent2"/>
+          </a:effectRef>
+          <a:fontRef idx="minor">
+            <a:schemeClr val="lt1"/>
+          </a:fontRef>
+        </p:style>
+        <p:txBody>
+          <a:bodyPr rtlCol="0" anchor="ctr"/>
+          <a:lstStyle/>
+          <a:p>
+            <a:pPr algn="ctr"/>
+            <a:r>
+              <a:rPr lang="en-US" sz="1400" dirty="0">
+                <a:solidFill>
+                  <a:schemeClr val="bg1"/>
+                </a:solidFill>
+              </a:rPr>
+              <a:t>Tax = 0.20 * </a:t>
+            </a:r>
+            <a:r>
+              <a:rPr lang="en-US" sz="1400" dirty="0" err="1">
+                <a:solidFill>
+                  <a:schemeClr val="bg1"/>
+                </a:solidFill>
+              </a:rPr>
+              <a:t>WIn</a:t>
+            </a:r>
+            <a:endParaRPr lang="en-US" sz="1400" dirty="0">
+              <a:solidFill>
+                <a:schemeClr val="bg1"/>
+              </a:solidFill>
+            </a:endParaRPr>
+          </a:p>
+        </p:txBody>
+      </p:sp>
+      <p:sp>
+        <p:nvSpPr>
+          <p:cNvPr id="113" name="Manual Input 112">
+            <a:extLst>
+              <a:ext uri="{FF2B5EF4-FFF2-40B4-BE49-F238E27FC236}">
+                <a16:creationId xmlns:a16="http://schemas.microsoft.com/office/drawing/2014/main" id="{0D8EF797-DEF4-E640-B3C6-8E37F5594062}"/>
+              </a:ext>
+            </a:extLst>
+          </p:cNvPr>
+          <p:cNvSpPr/>
+          <p:nvPr/>
+        </p:nvSpPr>
+        <p:spPr>
+          <a:xfrm>
+            <a:off x="8178759" y="2729255"/>
+            <a:ext cx="1550016" cy="457200"/>
+          </a:xfrm>
+          <a:prstGeom prst="flowChartManualInput">
+            <a:avLst/>
+          </a:prstGeom>
+        </p:spPr>
+        <p:style>
+          <a:lnRef idx="2">
+            <a:schemeClr val="accent6"/>
+          </a:lnRef>
+          <a:fillRef idx="1">
+            <a:schemeClr val="lt1"/>
+          </a:fillRef>
+          <a:effectRef idx="0">
+            <a:schemeClr val="accent6"/>
+          </a:effectRef>
+          <a:fontRef idx="minor">
+            <a:schemeClr val="dk1"/>
+          </a:fontRef>
+        </p:style>
+        <p:txBody>
+          <a:bodyPr rtlCol="0" anchor="ctr"/>
+          <a:lstStyle/>
+          <a:p>
+            <a:pPr algn="ctr"/>
+            <a:r>
+              <a:rPr lang="en-US" sz="1400" dirty="0"/>
+              <a:t>What SSN?</a:t>
+            </a:r>
+          </a:p>
+        </p:txBody>
+      </p:sp>
+      <p:cxnSp>
+        <p:nvCxnSpPr>
+          <p:cNvPr id="114" name="Straight Arrow Connector 113">
+            <a:extLst>
+              <a:ext uri="{FF2B5EF4-FFF2-40B4-BE49-F238E27FC236}">
+                <a16:creationId xmlns:a16="http://schemas.microsoft.com/office/drawing/2014/main" id="{E7872578-3E35-1B42-87E2-AEFA78A8AE8B}"/>
+              </a:ext>
+            </a:extLst>
+          </p:cNvPr>
+          <p:cNvCxnSpPr>
+            <a:cxnSpLocks/>
+            <a:stCxn id="113" idx="3"/>
+            <a:endCxn id="112" idx="1"/>
+          </p:cNvCxnSpPr>
+          <p:nvPr/>
+        </p:nvCxnSpPr>
+        <p:spPr>
+          <a:xfrm>
+            <a:off x="9728775" y="2957855"/>
+            <a:ext cx="276927" cy="8057"/>
+          </a:xfrm>
+          <a:prstGeom prst="straightConnector1">
+            <a:avLst/>
+          </a:prstGeom>
+          <a:ln w="31750">
+            <a:solidFill>
+              <a:srgbClr val="FFFF00"/>
+            </a:solidFill>
+            <a:tailEnd type="triangle"/>
+          </a:ln>
+        </p:spPr>
+        <p:style>
+          <a:lnRef idx="1">
+            <a:schemeClr val="accent1"/>
+          </a:lnRef>
+          <a:fillRef idx="0">
+            <a:schemeClr val="accent1"/>
+          </a:fillRef>
+          <a:effectRef idx="0">
+            <a:schemeClr val="accent1"/>
+          </a:effectRef>
+          <a:fontRef idx="minor">
+            <a:schemeClr val="tx1"/>
+          </a:fontRef>
+        </p:style>
+      </p:cxnSp>
+      <p:sp>
+        <p:nvSpPr>
+          <p:cNvPr id="119" name="Oval 118">
+            <a:extLst>
+              <a:ext uri="{FF2B5EF4-FFF2-40B4-BE49-F238E27FC236}">
+                <a16:creationId xmlns:a16="http://schemas.microsoft.com/office/drawing/2014/main" id="{E42431A2-158B-A845-9C17-C8CF44E48E2C}"/>
+              </a:ext>
+            </a:extLst>
+          </p:cNvPr>
+          <p:cNvSpPr/>
+          <p:nvPr/>
+        </p:nvSpPr>
+        <p:spPr>
+          <a:xfrm>
+            <a:off x="6601107" y="3400724"/>
+            <a:ext cx="220394" cy="199366"/>
+          </a:xfrm>
+          <a:prstGeom prst="ellipse">
+            <a:avLst/>
+          </a:prstGeom>
+          <a:ln>
+            <a:solidFill>
+              <a:schemeClr val="tx1"/>
+            </a:solidFill>
+          </a:ln>
+        </p:spPr>
+        <p:style>
+          <a:lnRef idx="2">
+            <a:schemeClr val="accent1">
+              <a:shade val="50000"/>
+            </a:schemeClr>
+          </a:lnRef>
+          <a:fillRef idx="1">
+            <a:schemeClr val="accent1"/>
+          </a:fillRef>
+          <a:effectRef idx="0">
+            <a:schemeClr val="accent1"/>
+          </a:effectRef>
+          <a:fontRef idx="minor">
+            <a:schemeClr val="lt1"/>
+          </a:fontRef>
+        </p:style>
+        <p:txBody>
+          <a:bodyPr rtlCol="0" anchor="ctr"/>
+          <a:lstStyle/>
+          <a:p>
+            <a:pPr algn="ctr"/>
+            <a:endParaRPr lang="en-US"/>
+          </a:p>
+        </p:txBody>
+      </p:sp>
+      <p:cxnSp>
+        <p:nvCxnSpPr>
+          <p:cNvPr id="120" name="Straight Arrow Connector 119">
+            <a:extLst>
+              <a:ext uri="{FF2B5EF4-FFF2-40B4-BE49-F238E27FC236}">
+                <a16:creationId xmlns:a16="http://schemas.microsoft.com/office/drawing/2014/main" id="{9E258CBA-C853-5E40-9005-2820FB45D032}"/>
+              </a:ext>
+            </a:extLst>
+          </p:cNvPr>
+          <p:cNvCxnSpPr>
+            <a:cxnSpLocks/>
+            <a:stCxn id="96" idx="2"/>
+            <a:endCxn id="119" idx="0"/>
+          </p:cNvCxnSpPr>
+          <p:nvPr/>
+        </p:nvCxnSpPr>
+        <p:spPr>
+          <a:xfrm>
+            <a:off x="6703216" y="3241247"/>
+            <a:ext cx="8088" cy="159477"/>
+          </a:xfrm>
+          <a:prstGeom prst="straightConnector1">
+            <a:avLst/>
+          </a:prstGeom>
+          <a:ln w="31750">
+            <a:solidFill>
+              <a:srgbClr val="FFFF00"/>
+            </a:solidFill>
+            <a:tailEnd type="triangle"/>
+          </a:ln>
+        </p:spPr>
+        <p:style>
+          <a:lnRef idx="1">
+            <a:schemeClr val="accent1"/>
+          </a:lnRef>
+          <a:fillRef idx="0">
+            <a:schemeClr val="accent1"/>
+          </a:fillRef>
+          <a:effectRef idx="0">
+            <a:schemeClr val="accent1"/>
+          </a:effectRef>
+          <a:fontRef idx="minor">
+            <a:schemeClr val="tx1"/>
+          </a:fontRef>
+        </p:style>
+      </p:cxnSp>
+      <p:sp>
+        <p:nvSpPr>
+          <p:cNvPr id="126" name="TextBox 125">
+            <a:extLst>
+              <a:ext uri="{FF2B5EF4-FFF2-40B4-BE49-F238E27FC236}">
+                <a16:creationId xmlns:a16="http://schemas.microsoft.com/office/drawing/2014/main" id="{8243E49C-A57D-2249-80DB-1C5BB79CA6FF}"/>
+              </a:ext>
+            </a:extLst>
+          </p:cNvPr>
+          <p:cNvSpPr txBox="1"/>
+          <p:nvPr/>
+        </p:nvSpPr>
+        <p:spPr>
+          <a:xfrm>
+            <a:off x="7551367" y="3606156"/>
+            <a:ext cx="612668" cy="369332"/>
+          </a:xfrm>
+          <a:prstGeom prst="rect">
+            <a:avLst/>
+          </a:prstGeom>
+          <a:noFill/>
+        </p:spPr>
+        <p:txBody>
+          <a:bodyPr wrap="none" rtlCol="0">
+            <a:spAutoFit/>
+          </a:bodyPr>
+          <a:lstStyle/>
+          <a:p>
+            <a:r>
+              <a:rPr lang="en-US" dirty="0"/>
+              <a:t>True</a:t>
+            </a:r>
+          </a:p>
+        </p:txBody>
+      </p:sp>
+      <p:sp>
+        <p:nvSpPr>
+          <p:cNvPr id="127" name="TextBox 126">
+            <a:extLst>
+              <a:ext uri="{FF2B5EF4-FFF2-40B4-BE49-F238E27FC236}">
+                <a16:creationId xmlns:a16="http://schemas.microsoft.com/office/drawing/2014/main" id="{41F19318-821B-A645-A233-12A4A41001F6}"/>
+              </a:ext>
+            </a:extLst>
+          </p:cNvPr>
+          <p:cNvSpPr txBox="1"/>
+          <p:nvPr/>
+        </p:nvSpPr>
+        <p:spPr>
+          <a:xfrm>
+            <a:off x="6042807" y="3162080"/>
+            <a:ext cx="641522" cy="369332"/>
+          </a:xfrm>
+          <a:prstGeom prst="rect">
+            <a:avLst/>
+          </a:prstGeom>
+          <a:noFill/>
+        </p:spPr>
+        <p:txBody>
+          <a:bodyPr wrap="none" rtlCol="0">
+            <a:spAutoFit/>
+          </a:bodyPr>
+          <a:lstStyle/>
+          <a:p>
+            <a:r>
+              <a:rPr lang="en-US" dirty="0"/>
+              <a:t>False</a:t>
+            </a:r>
+          </a:p>
+        </p:txBody>
+      </p:sp>
+      <p:sp>
+        <p:nvSpPr>
+          <p:cNvPr id="128" name="Oval 127">
+            <a:extLst>
+              <a:ext uri="{FF2B5EF4-FFF2-40B4-BE49-F238E27FC236}">
+                <a16:creationId xmlns:a16="http://schemas.microsoft.com/office/drawing/2014/main" id="{51E57B7F-80E6-234B-AB3D-BF64CC228BFD}"/>
+              </a:ext>
+            </a:extLst>
+          </p:cNvPr>
+          <p:cNvSpPr/>
+          <p:nvPr/>
+        </p:nvSpPr>
+        <p:spPr>
+          <a:xfrm>
+            <a:off x="11859327" y="2877441"/>
+            <a:ext cx="220394" cy="199366"/>
+          </a:xfrm>
+          <a:prstGeom prst="ellipse">
+            <a:avLst/>
+          </a:prstGeom>
+          <a:ln>
+            <a:solidFill>
+              <a:schemeClr val="tx1"/>
+            </a:solidFill>
+          </a:ln>
+        </p:spPr>
+        <p:style>
+          <a:lnRef idx="2">
+            <a:schemeClr val="accent1">
+              <a:shade val="50000"/>
+            </a:schemeClr>
+          </a:lnRef>
+          <a:fillRef idx="1">
+            <a:schemeClr val="accent1"/>
+          </a:fillRef>
+          <a:effectRef idx="0">
+            <a:schemeClr val="accent1"/>
+          </a:effectRef>
+          <a:fontRef idx="minor">
+            <a:schemeClr val="lt1"/>
+          </a:fontRef>
+        </p:style>
+        <p:txBody>
+          <a:bodyPr rtlCol="0" anchor="ctr"/>
+          <a:lstStyle/>
+          <a:p>
+            <a:pPr algn="ctr"/>
+            <a:endParaRPr lang="en-US"/>
+          </a:p>
+        </p:txBody>
+      </p:sp>
+      <p:cxnSp>
+        <p:nvCxnSpPr>
+          <p:cNvPr id="130" name="Straight Arrow Connector 129">
+            <a:extLst>
+              <a:ext uri="{FF2B5EF4-FFF2-40B4-BE49-F238E27FC236}">
+                <a16:creationId xmlns:a16="http://schemas.microsoft.com/office/drawing/2014/main" id="{8AC880BC-00DA-6946-AE40-D1DF66194A1A}"/>
+              </a:ext>
+            </a:extLst>
+          </p:cNvPr>
+          <p:cNvCxnSpPr>
+            <a:cxnSpLocks/>
+            <a:stCxn id="112" idx="3"/>
+            <a:endCxn id="128" idx="2"/>
+          </p:cNvCxnSpPr>
+          <p:nvPr/>
+        </p:nvCxnSpPr>
+        <p:spPr>
+          <a:xfrm>
+            <a:off x="11541986" y="2965912"/>
+            <a:ext cx="317341" cy="11212"/>
+          </a:xfrm>
+          <a:prstGeom prst="straightConnector1">
+            <a:avLst/>
+          </a:prstGeom>
+          <a:ln w="31750">
+            <a:solidFill>
+              <a:srgbClr val="FFFF00"/>
+            </a:solidFill>
+            <a:tailEnd type="triangle"/>
+          </a:ln>
+        </p:spPr>
+        <p:style>
+          <a:lnRef idx="1">
+            <a:schemeClr val="accent1"/>
+          </a:lnRef>
+          <a:fillRef idx="0">
+            <a:schemeClr val="accent1"/>
+          </a:fillRef>
+          <a:effectRef idx="0">
+            <a:schemeClr val="accent1"/>
+          </a:effectRef>
+          <a:fontRef idx="minor">
+            <a:schemeClr val="tx1"/>
+          </a:fontRef>
+        </p:style>
+      </p:cxnSp>
+      <p:cxnSp>
+        <p:nvCxnSpPr>
+          <p:cNvPr id="137" name="Elbow Connector 136">
+            <a:extLst>
+              <a:ext uri="{FF2B5EF4-FFF2-40B4-BE49-F238E27FC236}">
+                <a16:creationId xmlns:a16="http://schemas.microsoft.com/office/drawing/2014/main" id="{C99D07FF-0D17-5246-8433-059621474A36}"/>
+              </a:ext>
+            </a:extLst>
+          </p:cNvPr>
+          <p:cNvCxnSpPr>
+            <a:cxnSpLocks/>
+            <a:stCxn id="128" idx="4"/>
+            <a:endCxn id="119" idx="6"/>
+          </p:cNvCxnSpPr>
+          <p:nvPr/>
+        </p:nvCxnSpPr>
+        <p:spPr>
+          <a:xfrm rot="5400000">
+            <a:off x="9183713" y="714596"/>
+            <a:ext cx="423600" cy="5148023"/>
+          </a:xfrm>
+          <a:prstGeom prst="bentConnector2">
+            <a:avLst/>
+          </a:prstGeom>
+          <a:ln w="31750">
+            <a:solidFill>
+              <a:srgbClr val="FFFF00"/>
+            </a:solidFill>
+            <a:tailEnd type="triangle"/>
+          </a:ln>
+        </p:spPr>
+        <p:style>
+          <a:lnRef idx="1">
+            <a:schemeClr val="accent1"/>
+          </a:lnRef>
+          <a:fillRef idx="0">
+            <a:schemeClr val="accent1"/>
+          </a:fillRef>
+          <a:effectRef idx="0">
+            <a:schemeClr val="accent1"/>
+          </a:effectRef>
+          <a:fontRef idx="minor">
+            <a:schemeClr val="tx1"/>
+          </a:fontRef>
+        </p:style>
+      </p:cxnSp>
+      <p:sp>
+        <p:nvSpPr>
+          <p:cNvPr id="143" name="Decision 142">
+            <a:extLst>
+              <a:ext uri="{FF2B5EF4-FFF2-40B4-BE49-F238E27FC236}">
+                <a16:creationId xmlns:a16="http://schemas.microsoft.com/office/drawing/2014/main" id="{A5BBE897-4D68-B042-9069-9A9ED8CA0A8E}"/>
+              </a:ext>
+            </a:extLst>
+          </p:cNvPr>
+          <p:cNvSpPr/>
+          <p:nvPr/>
+        </p:nvSpPr>
+        <p:spPr>
+          <a:xfrm>
+            <a:off x="5778989" y="3796143"/>
+            <a:ext cx="1874507" cy="369333"/>
+          </a:xfrm>
+          <a:prstGeom prst="flowChartDecision">
+            <a:avLst/>
+          </a:prstGeom>
+          <a:solidFill>
+            <a:srgbClr val="92D050"/>
+          </a:solidFill>
+        </p:spPr>
+        <p:style>
+          <a:lnRef idx="2">
+            <a:schemeClr val="accent1">
+              <a:shade val="50000"/>
+            </a:schemeClr>
+          </a:lnRef>
+          <a:fillRef idx="1">
+            <a:schemeClr val="accent1"/>
+          </a:fillRef>
+          <a:effectRef idx="0">
+            <a:schemeClr val="accent1"/>
+          </a:effectRef>
+          <a:fontRef idx="minor">
+            <a:schemeClr val="lt1"/>
+          </a:fontRef>
+        </p:style>
+        <p:txBody>
+          <a:bodyPr rtlCol="0" anchor="ctr"/>
+          <a:lstStyle/>
+          <a:p>
+            <a:pPr algn="ctr"/>
+            <a:r>
+              <a:rPr lang="en-US" sz="1400" dirty="0">
+                <a:solidFill>
+                  <a:schemeClr val="bg1"/>
+                </a:solidFill>
+              </a:rPr>
+              <a:t>Win &gt;= 0 </a:t>
+            </a:r>
+          </a:p>
+        </p:txBody>
+      </p:sp>
+      <p:cxnSp>
+        <p:nvCxnSpPr>
+          <p:cNvPr id="144" name="Straight Arrow Connector 143">
+            <a:extLst>
+              <a:ext uri="{FF2B5EF4-FFF2-40B4-BE49-F238E27FC236}">
+                <a16:creationId xmlns:a16="http://schemas.microsoft.com/office/drawing/2014/main" id="{9DBF53D6-E512-6441-A16A-52FAF684DC17}"/>
+              </a:ext>
+            </a:extLst>
+          </p:cNvPr>
+          <p:cNvCxnSpPr>
+            <a:cxnSpLocks/>
+            <a:stCxn id="119" idx="4"/>
+            <a:endCxn id="143" idx="0"/>
+          </p:cNvCxnSpPr>
+          <p:nvPr/>
+        </p:nvCxnSpPr>
+        <p:spPr>
+          <a:xfrm>
+            <a:off x="6711304" y="3600090"/>
+            <a:ext cx="4939" cy="196053"/>
+          </a:xfrm>
+          <a:prstGeom prst="straightConnector1">
+            <a:avLst/>
+          </a:prstGeom>
+          <a:ln w="31750">
+            <a:solidFill>
+              <a:srgbClr val="FFFF00"/>
+            </a:solidFill>
+            <a:tailEnd type="triangle"/>
+          </a:ln>
+        </p:spPr>
+        <p:style>
+          <a:lnRef idx="1">
+            <a:schemeClr val="accent1"/>
+          </a:lnRef>
+          <a:fillRef idx="0">
+            <a:schemeClr val="accent1"/>
+          </a:fillRef>
+          <a:effectRef idx="0">
+            <a:schemeClr val="accent1"/>
+          </a:effectRef>
+          <a:fontRef idx="minor">
+            <a:schemeClr val="tx1"/>
+          </a:fontRef>
+        </p:style>
+      </p:cxnSp>
+      <p:sp>
+        <p:nvSpPr>
+          <p:cNvPr id="160" name="Process 159">
+            <a:extLst>
+              <a:ext uri="{FF2B5EF4-FFF2-40B4-BE49-F238E27FC236}">
+                <a16:creationId xmlns:a16="http://schemas.microsoft.com/office/drawing/2014/main" id="{0510F053-B88F-5641-B3CC-03B055C5A42A}"/>
+              </a:ext>
+            </a:extLst>
+          </p:cNvPr>
+          <p:cNvSpPr/>
+          <p:nvPr/>
+        </p:nvSpPr>
+        <p:spPr>
+          <a:xfrm>
+            <a:off x="5734103" y="5115478"/>
+            <a:ext cx="1752209" cy="295936"/>
+          </a:xfrm>
+          <a:prstGeom prst="flowChartProcess">
+            <a:avLst/>
+          </a:prstGeom>
+        </p:spPr>
+        <p:style>
+          <a:lnRef idx="3">
+            <a:schemeClr val="lt1"/>
+          </a:lnRef>
+          <a:fillRef idx="1">
+            <a:schemeClr val="accent2"/>
+          </a:fillRef>
+          <a:effectRef idx="1">
+            <a:schemeClr val="accent2"/>
+          </a:effectRef>
+          <a:fontRef idx="minor">
+            <a:schemeClr val="lt1"/>
+          </a:fontRef>
+        </p:style>
+        <p:txBody>
+          <a:bodyPr rtlCol="0" anchor="ctr"/>
+          <a:lstStyle/>
+          <a:p>
+            <a:pPr algn="ctr"/>
+            <a:r>
+              <a:rPr lang="en-US" sz="1400" dirty="0" err="1">
+                <a:solidFill>
+                  <a:schemeClr val="bg1"/>
+                </a:solidFill>
+              </a:rPr>
+              <a:t>CashOut</a:t>
+            </a:r>
+            <a:r>
+              <a:rPr lang="en-US" sz="1400" dirty="0">
+                <a:solidFill>
+                  <a:schemeClr val="bg1"/>
+                </a:solidFill>
+              </a:rPr>
+              <a:t> = Tot - Tax</a:t>
+            </a:r>
+          </a:p>
+        </p:txBody>
+      </p:sp>
+      <p:sp>
+        <p:nvSpPr>
+          <p:cNvPr id="166" name="Display 165">
+            <a:extLst>
+              <a:ext uri="{FF2B5EF4-FFF2-40B4-BE49-F238E27FC236}">
+                <a16:creationId xmlns:a16="http://schemas.microsoft.com/office/drawing/2014/main" id="{A5B5D839-5E6F-264B-ACF4-CE735A6851E0}"/>
+              </a:ext>
+            </a:extLst>
+          </p:cNvPr>
+          <p:cNvSpPr/>
+          <p:nvPr/>
+        </p:nvSpPr>
+        <p:spPr>
+          <a:xfrm>
+            <a:off x="4565344" y="4634031"/>
+            <a:ext cx="1913374" cy="273690"/>
+          </a:xfrm>
+          <a:prstGeom prst="flowChartDisplay">
+            <a:avLst/>
+          </a:prstGeom>
+        </p:spPr>
+        <p:style>
+          <a:lnRef idx="2">
+            <a:schemeClr val="accent6"/>
+          </a:lnRef>
+          <a:fillRef idx="1">
+            <a:schemeClr val="lt1"/>
+          </a:fillRef>
+          <a:effectRef idx="0">
+            <a:schemeClr val="accent6"/>
+          </a:effectRef>
+          <a:fontRef idx="minor">
+            <a:schemeClr val="dk1"/>
+          </a:fontRef>
+        </p:style>
+        <p:txBody>
+          <a:bodyPr rtlCol="0" anchor="ctr"/>
+          <a:lstStyle/>
+          <a:p>
+            <a:pPr algn="ctr"/>
+            <a:r>
+              <a:rPr lang="en-US" sz="1400" dirty="0"/>
+              <a:t>Display: Loser </a:t>
+            </a:r>
+          </a:p>
+        </p:txBody>
+      </p:sp>
+      <p:sp>
+        <p:nvSpPr>
+          <p:cNvPr id="184" name="Display 183">
+            <a:extLst>
+              <a:ext uri="{FF2B5EF4-FFF2-40B4-BE49-F238E27FC236}">
+                <a16:creationId xmlns:a16="http://schemas.microsoft.com/office/drawing/2014/main" id="{8FF17A9B-1953-A34A-B816-0528642E146C}"/>
+              </a:ext>
+            </a:extLst>
+          </p:cNvPr>
+          <p:cNvSpPr/>
+          <p:nvPr/>
+        </p:nvSpPr>
+        <p:spPr>
+          <a:xfrm>
+            <a:off x="5471121" y="5572456"/>
+            <a:ext cx="2259972" cy="491881"/>
+          </a:xfrm>
+          <a:prstGeom prst="flowChartDisplay">
+            <a:avLst/>
+          </a:prstGeom>
+        </p:spPr>
+        <p:style>
+          <a:lnRef idx="2">
+            <a:schemeClr val="accent6"/>
+          </a:lnRef>
+          <a:fillRef idx="1">
+            <a:schemeClr val="lt1"/>
+          </a:fillRef>
+          <a:effectRef idx="0">
+            <a:schemeClr val="accent6"/>
+          </a:effectRef>
+          <a:fontRef idx="minor">
+            <a:schemeClr val="dk1"/>
+          </a:fontRef>
+        </p:style>
+        <p:txBody>
+          <a:bodyPr rtlCol="0" anchor="ctr"/>
+          <a:lstStyle/>
+          <a:p>
+            <a:pPr algn="ctr"/>
+            <a:r>
+              <a:rPr lang="en-US" sz="1400" dirty="0"/>
+              <a:t>Display: </a:t>
+            </a:r>
+            <a:r>
+              <a:rPr lang="en-US" sz="1400" dirty="0" err="1"/>
+              <a:t>CashOut</a:t>
+            </a:r>
+            <a:r>
+              <a:rPr lang="en-US" sz="1400" dirty="0"/>
+              <a:t>, Tax, SSN</a:t>
+            </a:r>
+          </a:p>
+        </p:txBody>
+      </p:sp>
+      <p:sp>
+        <p:nvSpPr>
+          <p:cNvPr id="186" name="TextBox 185">
+            <a:extLst>
+              <a:ext uri="{FF2B5EF4-FFF2-40B4-BE49-F238E27FC236}">
+                <a16:creationId xmlns:a16="http://schemas.microsoft.com/office/drawing/2014/main" id="{B6648D29-3495-5042-B7C2-F6E2DD1B0840}"/>
+              </a:ext>
+            </a:extLst>
+          </p:cNvPr>
+          <p:cNvSpPr txBox="1"/>
+          <p:nvPr/>
+        </p:nvSpPr>
+        <p:spPr>
+          <a:xfrm>
+            <a:off x="7625556" y="2607792"/>
+            <a:ext cx="612668" cy="369332"/>
+          </a:xfrm>
+          <a:prstGeom prst="rect">
+            <a:avLst/>
+          </a:prstGeom>
+          <a:noFill/>
+        </p:spPr>
+        <p:txBody>
+          <a:bodyPr wrap="none" rtlCol="0">
+            <a:spAutoFit/>
+          </a:bodyPr>
+          <a:lstStyle/>
+          <a:p>
+            <a:r>
+              <a:rPr lang="en-US" dirty="0"/>
+              <a:t>True</a:t>
+            </a:r>
+          </a:p>
+        </p:txBody>
+      </p:sp>
+      <p:sp>
+        <p:nvSpPr>
+          <p:cNvPr id="187" name="TextBox 186">
+            <a:extLst>
+              <a:ext uri="{FF2B5EF4-FFF2-40B4-BE49-F238E27FC236}">
+                <a16:creationId xmlns:a16="http://schemas.microsoft.com/office/drawing/2014/main" id="{17AE44D7-8153-2E42-86A4-E5944B09CFC8}"/>
+              </a:ext>
+            </a:extLst>
+          </p:cNvPr>
+          <p:cNvSpPr txBox="1"/>
+          <p:nvPr/>
+        </p:nvSpPr>
+        <p:spPr>
+          <a:xfrm>
+            <a:off x="5431030" y="3580118"/>
+            <a:ext cx="641522" cy="369332"/>
+          </a:xfrm>
+          <a:prstGeom prst="rect">
+            <a:avLst/>
+          </a:prstGeom>
+          <a:noFill/>
+        </p:spPr>
+        <p:txBody>
+          <a:bodyPr wrap="none" rtlCol="0">
+            <a:spAutoFit/>
+          </a:bodyPr>
+          <a:lstStyle/>
+          <a:p>
+            <a:r>
+              <a:rPr lang="en-US" dirty="0"/>
+              <a:t>False</a:t>
+            </a:r>
+          </a:p>
+        </p:txBody>
+      </p:sp>
+      <p:cxnSp>
+        <p:nvCxnSpPr>
+          <p:cNvPr id="191" name="Straight Arrow Connector 190">
+            <a:extLst>
+              <a:ext uri="{FF2B5EF4-FFF2-40B4-BE49-F238E27FC236}">
+                <a16:creationId xmlns:a16="http://schemas.microsoft.com/office/drawing/2014/main" id="{5CDC35F3-B3D1-3244-8BF2-5C1F8ED2515C}"/>
+              </a:ext>
+            </a:extLst>
+          </p:cNvPr>
+          <p:cNvCxnSpPr>
+            <a:cxnSpLocks/>
+            <a:stCxn id="184" idx="2"/>
+            <a:endCxn id="117" idx="0"/>
+          </p:cNvCxnSpPr>
+          <p:nvPr/>
+        </p:nvCxnSpPr>
+        <p:spPr>
+          <a:xfrm flipH="1">
+            <a:off x="6598085" y="6064337"/>
+            <a:ext cx="3022" cy="182616"/>
+          </a:xfrm>
+          <a:prstGeom prst="straightConnector1">
+            <a:avLst/>
+          </a:prstGeom>
+          <a:ln w="31750">
+            <a:solidFill>
+              <a:srgbClr val="FFFF00"/>
+            </a:solidFill>
+            <a:tailEnd type="triangle"/>
+          </a:ln>
+        </p:spPr>
+        <p:style>
+          <a:lnRef idx="1">
+            <a:schemeClr val="accent1"/>
+          </a:lnRef>
+          <a:fillRef idx="0">
+            <a:schemeClr val="accent1"/>
+          </a:fillRef>
+          <a:effectRef idx="0">
+            <a:schemeClr val="accent1"/>
+          </a:effectRef>
+          <a:fontRef idx="minor">
+            <a:schemeClr val="tx1"/>
+          </a:fontRef>
+        </p:style>
+      </p:cxnSp>
+      <p:cxnSp>
+        <p:nvCxnSpPr>
+          <p:cNvPr id="273" name="Elbow Connector 272">
+            <a:extLst>
+              <a:ext uri="{FF2B5EF4-FFF2-40B4-BE49-F238E27FC236}">
+                <a16:creationId xmlns:a16="http://schemas.microsoft.com/office/drawing/2014/main" id="{41953A9A-C90B-5C47-9294-DC05CD72CFB9}"/>
+              </a:ext>
+            </a:extLst>
+          </p:cNvPr>
+          <p:cNvCxnSpPr>
+            <a:cxnSpLocks/>
+            <a:stCxn id="143" idx="3"/>
+            <a:endCxn id="133" idx="0"/>
+          </p:cNvCxnSpPr>
+          <p:nvPr/>
+        </p:nvCxnSpPr>
+        <p:spPr>
+          <a:xfrm>
+            <a:off x="7653496" y="3980810"/>
+            <a:ext cx="236829" cy="583322"/>
+          </a:xfrm>
+          <a:prstGeom prst="bentConnector2">
+            <a:avLst/>
+          </a:prstGeom>
+          <a:ln w="31750">
+            <a:solidFill>
+              <a:srgbClr val="FFFF00"/>
+            </a:solidFill>
+            <a:tailEnd type="triangle"/>
+          </a:ln>
+        </p:spPr>
+        <p:style>
+          <a:lnRef idx="1">
+            <a:schemeClr val="accent1"/>
+          </a:lnRef>
+          <a:fillRef idx="0">
+            <a:schemeClr val="accent1"/>
+          </a:fillRef>
+          <a:effectRef idx="0">
+            <a:schemeClr val="accent1"/>
+          </a:effectRef>
+          <a:fontRef idx="minor">
+            <a:schemeClr val="tx1"/>
+          </a:fontRef>
+        </p:style>
+      </p:cxnSp>
+      <p:cxnSp>
+        <p:nvCxnSpPr>
+          <p:cNvPr id="277" name="Elbow Connector 276">
+            <a:extLst>
+              <a:ext uri="{FF2B5EF4-FFF2-40B4-BE49-F238E27FC236}">
+                <a16:creationId xmlns:a16="http://schemas.microsoft.com/office/drawing/2014/main" id="{90EAF54D-0B1E-BC40-A374-127507EB81C0}"/>
+              </a:ext>
+            </a:extLst>
+          </p:cNvPr>
+          <p:cNvCxnSpPr>
+            <a:cxnSpLocks/>
+            <a:stCxn id="143" idx="1"/>
+            <a:endCxn id="280" idx="0"/>
+          </p:cNvCxnSpPr>
+          <p:nvPr/>
+        </p:nvCxnSpPr>
+        <p:spPr>
+          <a:xfrm rot="10800000" flipV="1">
+            <a:off x="5522033" y="3980810"/>
+            <a:ext cx="256957" cy="163844"/>
+          </a:xfrm>
+          <a:prstGeom prst="bentConnector2">
+            <a:avLst/>
+          </a:prstGeom>
+          <a:ln w="31750">
+            <a:solidFill>
+              <a:srgbClr val="FFFF00"/>
+            </a:solidFill>
+            <a:tailEnd type="triangle"/>
+          </a:ln>
+        </p:spPr>
+        <p:style>
+          <a:lnRef idx="1">
+            <a:schemeClr val="accent1"/>
+          </a:lnRef>
+          <a:fillRef idx="0">
+            <a:schemeClr val="accent1"/>
+          </a:fillRef>
+          <a:effectRef idx="0">
+            <a:schemeClr val="accent1"/>
+          </a:effectRef>
+          <a:fontRef idx="minor">
+            <a:schemeClr val="tx1"/>
+          </a:fontRef>
+        </p:style>
+      </p:cxnSp>
+      <p:sp>
+        <p:nvSpPr>
+          <p:cNvPr id="280" name="Process 279">
+            <a:extLst>
+              <a:ext uri="{FF2B5EF4-FFF2-40B4-BE49-F238E27FC236}">
+                <a16:creationId xmlns:a16="http://schemas.microsoft.com/office/drawing/2014/main" id="{9A72CDF4-7CDF-7340-9694-7D27046F3DBA}"/>
+              </a:ext>
+            </a:extLst>
+          </p:cNvPr>
+          <p:cNvSpPr/>
+          <p:nvPr/>
+        </p:nvSpPr>
+        <p:spPr>
+          <a:xfrm>
+            <a:off x="5141271" y="4144654"/>
+            <a:ext cx="761521" cy="295936"/>
+          </a:xfrm>
+          <a:prstGeom prst="flowChartProcess">
+            <a:avLst/>
+          </a:prstGeom>
+        </p:spPr>
+        <p:style>
+          <a:lnRef idx="3">
+            <a:schemeClr val="lt1"/>
+          </a:lnRef>
+          <a:fillRef idx="1">
+            <a:schemeClr val="accent2"/>
+          </a:fillRef>
+          <a:effectRef idx="1">
+            <a:schemeClr val="accent2"/>
+          </a:effectRef>
+          <a:fontRef idx="minor">
+            <a:schemeClr val="lt1"/>
+          </a:fontRef>
+        </p:style>
+        <p:txBody>
+          <a:bodyPr rtlCol="0" anchor="ctr"/>
+          <a:lstStyle/>
+          <a:p>
+            <a:pPr algn="ctr"/>
+            <a:r>
+              <a:rPr lang="en-US" sz="1400" dirty="0">
+                <a:solidFill>
+                  <a:schemeClr val="bg1"/>
+                </a:solidFill>
+              </a:rPr>
+              <a:t>Tax = 0</a:t>
+            </a:r>
+          </a:p>
+        </p:txBody>
+      </p:sp>
+      <p:cxnSp>
+        <p:nvCxnSpPr>
+          <p:cNvPr id="295" name="Elbow Connector 294">
+            <a:extLst>
+              <a:ext uri="{FF2B5EF4-FFF2-40B4-BE49-F238E27FC236}">
+                <a16:creationId xmlns:a16="http://schemas.microsoft.com/office/drawing/2014/main" id="{2C0E42E1-1DEC-2C41-8171-8D6DAA5DAC8A}"/>
+              </a:ext>
+            </a:extLst>
+          </p:cNvPr>
+          <p:cNvCxnSpPr>
+            <a:cxnSpLocks/>
+            <a:stCxn id="133" idx="2"/>
+            <a:endCxn id="160" idx="3"/>
+          </p:cNvCxnSpPr>
+          <p:nvPr/>
+        </p:nvCxnSpPr>
+        <p:spPr>
+          <a:xfrm rot="5400000">
+            <a:off x="7486630" y="4859751"/>
+            <a:ext cx="403378" cy="404013"/>
+          </a:xfrm>
+          <a:prstGeom prst="bentConnector2">
+            <a:avLst/>
+          </a:prstGeom>
+          <a:ln w="31750">
+            <a:solidFill>
+              <a:srgbClr val="FFFF00"/>
+            </a:solidFill>
+            <a:tailEnd type="triangle"/>
+          </a:ln>
+        </p:spPr>
+        <p:style>
+          <a:lnRef idx="1">
+            <a:schemeClr val="accent1"/>
+          </a:lnRef>
+          <a:fillRef idx="0">
+            <a:schemeClr val="accent1"/>
+          </a:fillRef>
+          <a:effectRef idx="0">
+            <a:schemeClr val="accent1"/>
+          </a:effectRef>
+          <a:fontRef idx="minor">
+            <a:schemeClr val="tx1"/>
+          </a:fontRef>
+        </p:style>
+      </p:cxnSp>
+      <p:cxnSp>
+        <p:nvCxnSpPr>
+          <p:cNvPr id="298" name="Elbow Connector 297">
+            <a:extLst>
+              <a:ext uri="{FF2B5EF4-FFF2-40B4-BE49-F238E27FC236}">
+                <a16:creationId xmlns:a16="http://schemas.microsoft.com/office/drawing/2014/main" id="{AE6AA94D-9D35-3F47-BDD6-A76068721F8A}"/>
+              </a:ext>
+            </a:extLst>
+          </p:cNvPr>
+          <p:cNvCxnSpPr>
+            <a:cxnSpLocks/>
+            <a:stCxn id="166" idx="2"/>
+            <a:endCxn id="160" idx="1"/>
+          </p:cNvCxnSpPr>
+          <p:nvPr/>
+        </p:nvCxnSpPr>
+        <p:spPr>
+          <a:xfrm rot="16200000" flipH="1">
+            <a:off x="5450205" y="4979547"/>
+            <a:ext cx="355725" cy="212072"/>
+          </a:xfrm>
+          <a:prstGeom prst="bentConnector2">
+            <a:avLst/>
+          </a:prstGeom>
+          <a:ln w="31750">
+            <a:solidFill>
+              <a:srgbClr val="FFFF00"/>
+            </a:solidFill>
+            <a:tailEnd type="triangle"/>
+          </a:ln>
+        </p:spPr>
+        <p:style>
+          <a:lnRef idx="1">
+            <a:schemeClr val="accent1"/>
+          </a:lnRef>
+          <a:fillRef idx="0">
+            <a:schemeClr val="accent1"/>
+          </a:fillRef>
+          <a:effectRef idx="0">
+            <a:schemeClr val="accent1"/>
+          </a:effectRef>
+          <a:fontRef idx="minor">
+            <a:schemeClr val="tx1"/>
+          </a:fontRef>
+        </p:style>
+      </p:cxnSp>
+      <p:cxnSp>
+        <p:nvCxnSpPr>
+          <p:cNvPr id="299" name="Elbow Connector 298">
+            <a:extLst>
+              <a:ext uri="{FF2B5EF4-FFF2-40B4-BE49-F238E27FC236}">
+                <a16:creationId xmlns:a16="http://schemas.microsoft.com/office/drawing/2014/main" id="{A55CD118-E0CA-B140-9344-2AF15A214CFE}"/>
+              </a:ext>
+            </a:extLst>
+          </p:cNvPr>
+          <p:cNvCxnSpPr>
+            <a:cxnSpLocks/>
+            <a:stCxn id="280" idx="2"/>
+            <a:endCxn id="166" idx="0"/>
+          </p:cNvCxnSpPr>
+          <p:nvPr/>
+        </p:nvCxnSpPr>
+        <p:spPr>
+          <a:xfrm rot="5400000">
+            <a:off x="5425312" y="4537310"/>
+            <a:ext cx="193441" cy="1"/>
+          </a:xfrm>
+          <a:prstGeom prst="bentConnector3">
+            <a:avLst>
+              <a:gd name="adj1" fmla="val 50000"/>
+            </a:avLst>
+          </a:prstGeom>
+          <a:ln w="31750">
+            <a:solidFill>
+              <a:srgbClr val="FFFF00"/>
+            </a:solidFill>
+            <a:tailEnd type="triangle"/>
+          </a:ln>
+        </p:spPr>
+        <p:style>
+          <a:lnRef idx="1">
+            <a:schemeClr val="accent1"/>
+          </a:lnRef>
+          <a:fillRef idx="0">
+            <a:schemeClr val="accent1"/>
+          </a:fillRef>
+          <a:effectRef idx="0">
+            <a:schemeClr val="accent1"/>
+          </a:effectRef>
+          <a:fontRef idx="minor">
+            <a:schemeClr val="tx1"/>
+          </a:fontRef>
+        </p:style>
+      </p:cxnSp>
+      <p:cxnSp>
+        <p:nvCxnSpPr>
+          <p:cNvPr id="305" name="Straight Arrow Connector 304">
+            <a:extLst>
+              <a:ext uri="{FF2B5EF4-FFF2-40B4-BE49-F238E27FC236}">
+                <a16:creationId xmlns:a16="http://schemas.microsoft.com/office/drawing/2014/main" id="{C39FFD4F-396D-A549-A149-C60457A8C1C4}"/>
+              </a:ext>
+            </a:extLst>
+          </p:cNvPr>
+          <p:cNvCxnSpPr>
+            <a:cxnSpLocks/>
+            <a:stCxn id="160" idx="2"/>
+            <a:endCxn id="184" idx="0"/>
+          </p:cNvCxnSpPr>
+          <p:nvPr/>
+        </p:nvCxnSpPr>
+        <p:spPr>
+          <a:xfrm flipH="1">
+            <a:off x="6601107" y="5411414"/>
+            <a:ext cx="9101" cy="161042"/>
+          </a:xfrm>
+          <a:prstGeom prst="straightConnector1">
+            <a:avLst/>
+          </a:prstGeom>
+          <a:ln w="31750">
+            <a:solidFill>
+              <a:srgbClr val="FFFF00"/>
+            </a:solidFill>
+            <a:tailEnd type="triangle"/>
+          </a:ln>
+        </p:spPr>
+        <p:style>
+          <a:lnRef idx="1">
+            <a:schemeClr val="accent1"/>
+          </a:lnRef>
+          <a:fillRef idx="0">
+            <a:schemeClr val="accent1"/>
+          </a:fillRef>
+          <a:effectRef idx="0">
+            <a:schemeClr val="accent1"/>
+          </a:effectRef>
+          <a:fontRef idx="minor">
+            <a:schemeClr val="tx1"/>
+          </a:fontRef>
+        </p:style>
+      </p:cxnSp>
+    </p:spTree>
+    <p:extLst>
+      <p:ext uri="{BB962C8B-B14F-4D97-AF65-F5344CB8AC3E}">
+        <p14:creationId xmlns:p14="http://schemas.microsoft.com/office/powerpoint/2010/main" val="2632705942"/>
       </p:ext>
     </p:extLst>
   </p:cSld>
@@ -10341,6 +13621,55 @@
           </a:p>
         </p:txBody>
       </p:sp>
+      <p:sp>
+        <p:nvSpPr>
+          <p:cNvPr id="4" name="Left Arrow 3">
+            <a:extLst>
+              <a:ext uri="{FF2B5EF4-FFF2-40B4-BE49-F238E27FC236}">
+                <a16:creationId xmlns:a16="http://schemas.microsoft.com/office/drawing/2014/main" id="{B4445F7D-660A-C14C-A4C5-CC8F688BC870}"/>
+              </a:ext>
+            </a:extLst>
+          </p:cNvPr>
+          <p:cNvSpPr/>
+          <p:nvPr/>
+        </p:nvSpPr>
+        <p:spPr>
+          <a:xfrm>
+            <a:off x="8371735" y="5963252"/>
+            <a:ext cx="1359407" cy="633984"/>
+          </a:xfrm>
+          <a:prstGeom prst="leftArrow">
+            <a:avLst/>
+          </a:prstGeom>
+        </p:spPr>
+        <p:style>
+          <a:lnRef idx="2">
+            <a:schemeClr val="accent1">
+              <a:shade val="50000"/>
+            </a:schemeClr>
+          </a:lnRef>
+          <a:fillRef idx="1">
+            <a:schemeClr val="accent1"/>
+          </a:fillRef>
+          <a:effectRef idx="0">
+            <a:schemeClr val="accent1"/>
+          </a:effectRef>
+          <a:fontRef idx="minor">
+            <a:schemeClr val="lt1"/>
+          </a:fontRef>
+        </p:style>
+        <p:txBody>
+          <a:bodyPr rtlCol="0" anchor="ctr"/>
+          <a:lstStyle/>
+          <a:p>
+            <a:pPr algn="ctr"/>
+            <a:r>
+              <a:rPr lang="en-US" dirty="0"/>
+              <a:t>$1236</a:t>
+            </a:r>
+          </a:p>
+        </p:txBody>
+      </p:sp>
     </p:spTree>
     <p:extLst>
       <p:ext uri="{BB962C8B-B14F-4D97-AF65-F5344CB8AC3E}">
@@ -10351,6 +13680,153 @@
   <p:clrMapOvr>
     <a:masterClrMapping/>
   </p:clrMapOvr>
+  <p:timing>
+    <p:tnLst>
+      <p:par>
+        <p:cTn id="1" dur="indefinite" restart="never" nodeType="tmRoot">
+          <p:childTnLst>
+            <p:seq concurrent="1" nextAc="seek">
+              <p:cTn id="2" dur="indefinite" nodeType="mainSeq">
+                <p:childTnLst>
+                  <p:par>
+                    <p:cTn id="3" fill="hold">
+                      <p:stCondLst>
+                        <p:cond delay="indefinite"/>
+                      </p:stCondLst>
+                      <p:childTnLst>
+                        <p:par>
+                          <p:cTn id="4" fill="hold">
+                            <p:stCondLst>
+                              <p:cond delay="0"/>
+                            </p:stCondLst>
+                            <p:childTnLst>
+                              <p:par>
+                                <p:cTn id="5" presetID="2" presetClass="entr" presetSubtype="2" fill="hold" grpId="0" nodeType="clickEffect">
+                                  <p:stCondLst>
+                                    <p:cond delay="0"/>
+                                  </p:stCondLst>
+                                  <p:childTnLst>
+                                    <p:set>
+                                      <p:cBhvr>
+                                        <p:cTn id="6" dur="1" fill="hold">
+                                          <p:stCondLst>
+                                            <p:cond delay="0"/>
+                                          </p:stCondLst>
+                                        </p:cTn>
+                                        <p:tgtEl>
+                                          <p:spTgt spid="4"/>
+                                        </p:tgtEl>
+                                        <p:attrNameLst>
+                                          <p:attrName>style.visibility</p:attrName>
+                                        </p:attrNameLst>
+                                      </p:cBhvr>
+                                      <p:to>
+                                        <p:strVal val="visible"/>
+                                      </p:to>
+                                    </p:set>
+                                    <p:anim calcmode="lin" valueType="num">
+                                      <p:cBhvr additive="base">
+                                        <p:cTn id="7" dur="500" fill="hold"/>
+                                        <p:tgtEl>
+                                          <p:spTgt spid="4"/>
+                                        </p:tgtEl>
+                                        <p:attrNameLst>
+                                          <p:attrName>ppt_x</p:attrName>
+                                        </p:attrNameLst>
+                                      </p:cBhvr>
+                                      <p:tavLst>
+                                        <p:tav tm="0">
+                                          <p:val>
+                                            <p:strVal val="1+#ppt_w/2"/>
+                                          </p:val>
+                                        </p:tav>
+                                        <p:tav tm="100000">
+                                          <p:val>
+                                            <p:strVal val="#ppt_x"/>
+                                          </p:val>
+                                        </p:tav>
+                                      </p:tavLst>
+                                    </p:anim>
+                                    <p:anim calcmode="lin" valueType="num">
+                                      <p:cBhvr additive="base">
+                                        <p:cTn id="8" dur="500" fill="hold"/>
+                                        <p:tgtEl>
+                                          <p:spTgt spid="4"/>
+                                        </p:tgtEl>
+                                        <p:attrNameLst>
+                                          <p:attrName>ppt_y</p:attrName>
+                                        </p:attrNameLst>
+                                      </p:cBhvr>
+                                      <p:tavLst>
+                                        <p:tav tm="0">
+                                          <p:val>
+                                            <p:strVal val="#ppt_y"/>
+                                          </p:val>
+                                        </p:tav>
+                                        <p:tav tm="100000">
+                                          <p:val>
+                                            <p:strVal val="#ppt_y"/>
+                                          </p:val>
+                                        </p:tav>
+                                      </p:tavLst>
+                                    </p:anim>
+                                  </p:childTnLst>
+                                  <p:subTnLst>
+                                    <p:audio>
+                                      <p:cMediaNode>
+                                        <p:cTn display="0" masterRel="sameClick">
+                                          <p:stCondLst>
+                                            <p:cond evt="begin" delay="0">
+                                              <p:tn val="5"/>
+                                            </p:cond>
+                                          </p:stCondLst>
+                                          <p:endCondLst>
+                                            <p:cond evt="onStopAudio" delay="0">
+                                              <p:tgtEl>
+                                                <p:sldTgt/>
+                                              </p:tgtEl>
+                                            </p:cond>
+                                          </p:endCondLst>
+                                        </p:cTn>
+                                        <p:tgtEl>
+                                          <p:sndTgt r:embed="rId2" name="suction.wav"/>
+                                        </p:tgtEl>
+                                      </p:cMediaNode>
+                                    </p:audio>
+                                  </p:subTnLst>
+                                </p:cTn>
+                              </p:par>
+                            </p:childTnLst>
+                          </p:cTn>
+                        </p:par>
+                      </p:childTnLst>
+                    </p:cTn>
+                  </p:par>
+                </p:childTnLst>
+              </p:cTn>
+              <p:prevCondLst>
+                <p:cond evt="onPrev" delay="0">
+                  <p:tgtEl>
+                    <p:sldTgt/>
+                  </p:tgtEl>
+                </p:cond>
+              </p:prevCondLst>
+              <p:nextCondLst>
+                <p:cond evt="onNext" delay="0">
+                  <p:tgtEl>
+                    <p:sldTgt/>
+                  </p:tgtEl>
+                </p:cond>
+              </p:nextCondLst>
+            </p:seq>
+          </p:childTnLst>
+        </p:cTn>
+      </p:par>
+    </p:tnLst>
+    <p:bldLst>
+      <p:bldP spid="4" grpId="0" animBg="1"/>
+    </p:bldLst>
+  </p:timing>
 </p:sld>
 </file>
 
@@ -10625,6 +14101,55 @@
           </a:p>
         </p:txBody>
       </p:sp>
+      <p:sp>
+        <p:nvSpPr>
+          <p:cNvPr id="5" name="Left Arrow 4">
+            <a:extLst>
+              <a:ext uri="{FF2B5EF4-FFF2-40B4-BE49-F238E27FC236}">
+                <a16:creationId xmlns:a16="http://schemas.microsoft.com/office/drawing/2014/main" id="{3CB69999-5E95-9C4A-A9E2-CF3582A091EE}"/>
+              </a:ext>
+            </a:extLst>
+          </p:cNvPr>
+          <p:cNvSpPr/>
+          <p:nvPr/>
+        </p:nvSpPr>
+        <p:spPr>
+          <a:xfrm>
+            <a:off x="8371735" y="5963252"/>
+            <a:ext cx="1359407" cy="633984"/>
+          </a:xfrm>
+          <a:prstGeom prst="leftArrow">
+            <a:avLst/>
+          </a:prstGeom>
+        </p:spPr>
+        <p:style>
+          <a:lnRef idx="2">
+            <a:schemeClr val="accent1">
+              <a:shade val="50000"/>
+            </a:schemeClr>
+          </a:lnRef>
+          <a:fillRef idx="1">
+            <a:schemeClr val="accent1"/>
+          </a:fillRef>
+          <a:effectRef idx="0">
+            <a:schemeClr val="accent1"/>
+          </a:effectRef>
+          <a:fontRef idx="minor">
+            <a:schemeClr val="lt1"/>
+          </a:fontRef>
+        </p:style>
+        <p:txBody>
+          <a:bodyPr rtlCol="0" anchor="ctr"/>
+          <a:lstStyle/>
+          <a:p>
+            <a:pPr algn="ctr"/>
+            <a:r>
+              <a:rPr lang="en-US" dirty="0"/>
+              <a:t>$2720</a:t>
+            </a:r>
+          </a:p>
+        </p:txBody>
+      </p:sp>
     </p:spTree>
     <p:extLst>
       <p:ext uri="{BB962C8B-B14F-4D97-AF65-F5344CB8AC3E}">
@@ -10635,6 +14160,153 @@
   <p:clrMapOvr>
     <a:masterClrMapping/>
   </p:clrMapOvr>
+  <p:timing>
+    <p:tnLst>
+      <p:par>
+        <p:cTn id="1" dur="indefinite" restart="never" nodeType="tmRoot">
+          <p:childTnLst>
+            <p:seq concurrent="1" nextAc="seek">
+              <p:cTn id="2" dur="indefinite" nodeType="mainSeq">
+                <p:childTnLst>
+                  <p:par>
+                    <p:cTn id="3" fill="hold">
+                      <p:stCondLst>
+                        <p:cond delay="indefinite"/>
+                      </p:stCondLst>
+                      <p:childTnLst>
+                        <p:par>
+                          <p:cTn id="4" fill="hold">
+                            <p:stCondLst>
+                              <p:cond delay="0"/>
+                            </p:stCondLst>
+                            <p:childTnLst>
+                              <p:par>
+                                <p:cTn id="5" presetID="2" presetClass="entr" presetSubtype="2" fill="hold" grpId="0" nodeType="clickEffect">
+                                  <p:stCondLst>
+                                    <p:cond delay="0"/>
+                                  </p:stCondLst>
+                                  <p:childTnLst>
+                                    <p:set>
+                                      <p:cBhvr>
+                                        <p:cTn id="6" dur="1" fill="hold">
+                                          <p:stCondLst>
+                                            <p:cond delay="0"/>
+                                          </p:stCondLst>
+                                        </p:cTn>
+                                        <p:tgtEl>
+                                          <p:spTgt spid="5"/>
+                                        </p:tgtEl>
+                                        <p:attrNameLst>
+                                          <p:attrName>style.visibility</p:attrName>
+                                        </p:attrNameLst>
+                                      </p:cBhvr>
+                                      <p:to>
+                                        <p:strVal val="visible"/>
+                                      </p:to>
+                                    </p:set>
+                                    <p:anim calcmode="lin" valueType="num">
+                                      <p:cBhvr additive="base">
+                                        <p:cTn id="7" dur="500" fill="hold"/>
+                                        <p:tgtEl>
+                                          <p:spTgt spid="5"/>
+                                        </p:tgtEl>
+                                        <p:attrNameLst>
+                                          <p:attrName>ppt_x</p:attrName>
+                                        </p:attrNameLst>
+                                      </p:cBhvr>
+                                      <p:tavLst>
+                                        <p:tav tm="0">
+                                          <p:val>
+                                            <p:strVal val="1+#ppt_w/2"/>
+                                          </p:val>
+                                        </p:tav>
+                                        <p:tav tm="100000">
+                                          <p:val>
+                                            <p:strVal val="#ppt_x"/>
+                                          </p:val>
+                                        </p:tav>
+                                      </p:tavLst>
+                                    </p:anim>
+                                    <p:anim calcmode="lin" valueType="num">
+                                      <p:cBhvr additive="base">
+                                        <p:cTn id="8" dur="500" fill="hold"/>
+                                        <p:tgtEl>
+                                          <p:spTgt spid="5"/>
+                                        </p:tgtEl>
+                                        <p:attrNameLst>
+                                          <p:attrName>ppt_y</p:attrName>
+                                        </p:attrNameLst>
+                                      </p:cBhvr>
+                                      <p:tavLst>
+                                        <p:tav tm="0">
+                                          <p:val>
+                                            <p:strVal val="#ppt_y"/>
+                                          </p:val>
+                                        </p:tav>
+                                        <p:tav tm="100000">
+                                          <p:val>
+                                            <p:strVal val="#ppt_y"/>
+                                          </p:val>
+                                        </p:tav>
+                                      </p:tavLst>
+                                    </p:anim>
+                                  </p:childTnLst>
+                                  <p:subTnLst>
+                                    <p:audio>
+                                      <p:cMediaNode>
+                                        <p:cTn display="0" masterRel="sameClick">
+                                          <p:stCondLst>
+                                            <p:cond evt="begin" delay="0">
+                                              <p:tn val="5"/>
+                                            </p:cond>
+                                          </p:stCondLst>
+                                          <p:endCondLst>
+                                            <p:cond evt="onStopAudio" delay="0">
+                                              <p:tgtEl>
+                                                <p:sldTgt/>
+                                              </p:tgtEl>
+                                            </p:cond>
+                                          </p:endCondLst>
+                                        </p:cTn>
+                                        <p:tgtEl>
+                                          <p:sndTgt r:embed="rId2" name="suction.wav"/>
+                                        </p:tgtEl>
+                                      </p:cMediaNode>
+                                    </p:audio>
+                                  </p:subTnLst>
+                                </p:cTn>
+                              </p:par>
+                            </p:childTnLst>
+                          </p:cTn>
+                        </p:par>
+                      </p:childTnLst>
+                    </p:cTn>
+                  </p:par>
+                </p:childTnLst>
+              </p:cTn>
+              <p:prevCondLst>
+                <p:cond evt="onPrev" delay="0">
+                  <p:tgtEl>
+                    <p:sldTgt/>
+                  </p:tgtEl>
+                </p:cond>
+              </p:prevCondLst>
+              <p:nextCondLst>
+                <p:cond evt="onNext" delay="0">
+                  <p:tgtEl>
+                    <p:sldTgt/>
+                  </p:tgtEl>
+                </p:cond>
+              </p:nextCondLst>
+            </p:seq>
+          </p:childTnLst>
+        </p:cTn>
+      </p:par>
+    </p:tnLst>
+    <p:bldLst>
+      <p:bldP spid="5" grpId="0" animBg="1"/>
+    </p:bldLst>
+  </p:timing>
 </p:sld>
 </file>
 
@@ -10905,6 +14577,55 @@
           </a:p>
         </p:txBody>
       </p:sp>
+      <p:sp>
+        <p:nvSpPr>
+          <p:cNvPr id="4" name="Left Arrow 3">
+            <a:extLst>
+              <a:ext uri="{FF2B5EF4-FFF2-40B4-BE49-F238E27FC236}">
+                <a16:creationId xmlns:a16="http://schemas.microsoft.com/office/drawing/2014/main" id="{67AEA111-7BD9-484F-9C94-667F1A3F9CA7}"/>
+              </a:ext>
+            </a:extLst>
+          </p:cNvPr>
+          <p:cNvSpPr/>
+          <p:nvPr/>
+        </p:nvSpPr>
+        <p:spPr>
+          <a:xfrm>
+            <a:off x="8524134" y="5963252"/>
+            <a:ext cx="1359407" cy="633984"/>
+          </a:xfrm>
+          <a:prstGeom prst="leftArrow">
+            <a:avLst/>
+          </a:prstGeom>
+        </p:spPr>
+        <p:style>
+          <a:lnRef idx="2">
+            <a:schemeClr val="accent1">
+              <a:shade val="50000"/>
+            </a:schemeClr>
+          </a:lnRef>
+          <a:fillRef idx="1">
+            <a:schemeClr val="accent1"/>
+          </a:fillRef>
+          <a:effectRef idx="0">
+            <a:schemeClr val="accent1"/>
+          </a:effectRef>
+          <a:fontRef idx="minor">
+            <a:schemeClr val="lt1"/>
+          </a:fontRef>
+        </p:style>
+        <p:txBody>
+          <a:bodyPr rtlCol="0" anchor="ctr"/>
+          <a:lstStyle/>
+          <a:p>
+            <a:pPr algn="ctr"/>
+            <a:r>
+              <a:rPr lang="en-US" dirty="0"/>
+              <a:t>$2580</a:t>
+            </a:r>
+          </a:p>
+        </p:txBody>
+      </p:sp>
     </p:spTree>
     <p:extLst>
       <p:ext uri="{BB962C8B-B14F-4D97-AF65-F5344CB8AC3E}">
@@ -10915,6 +14636,153 @@
   <p:clrMapOvr>
     <a:masterClrMapping/>
   </p:clrMapOvr>
+  <p:timing>
+    <p:tnLst>
+      <p:par>
+        <p:cTn id="1" dur="indefinite" restart="never" nodeType="tmRoot">
+          <p:childTnLst>
+            <p:seq concurrent="1" nextAc="seek">
+              <p:cTn id="2" dur="indefinite" nodeType="mainSeq">
+                <p:childTnLst>
+                  <p:par>
+                    <p:cTn id="3" fill="hold">
+                      <p:stCondLst>
+                        <p:cond delay="indefinite"/>
+                      </p:stCondLst>
+                      <p:childTnLst>
+                        <p:par>
+                          <p:cTn id="4" fill="hold">
+                            <p:stCondLst>
+                              <p:cond delay="0"/>
+                            </p:stCondLst>
+                            <p:childTnLst>
+                              <p:par>
+                                <p:cTn id="5" presetID="2" presetClass="entr" presetSubtype="2" fill="hold" grpId="0" nodeType="clickEffect">
+                                  <p:stCondLst>
+                                    <p:cond delay="0"/>
+                                  </p:stCondLst>
+                                  <p:childTnLst>
+                                    <p:set>
+                                      <p:cBhvr>
+                                        <p:cTn id="6" dur="1" fill="hold">
+                                          <p:stCondLst>
+                                            <p:cond delay="0"/>
+                                          </p:stCondLst>
+                                        </p:cTn>
+                                        <p:tgtEl>
+                                          <p:spTgt spid="4"/>
+                                        </p:tgtEl>
+                                        <p:attrNameLst>
+                                          <p:attrName>style.visibility</p:attrName>
+                                        </p:attrNameLst>
+                                      </p:cBhvr>
+                                      <p:to>
+                                        <p:strVal val="visible"/>
+                                      </p:to>
+                                    </p:set>
+                                    <p:anim calcmode="lin" valueType="num">
+                                      <p:cBhvr additive="base">
+                                        <p:cTn id="7" dur="500" fill="hold"/>
+                                        <p:tgtEl>
+                                          <p:spTgt spid="4"/>
+                                        </p:tgtEl>
+                                        <p:attrNameLst>
+                                          <p:attrName>ppt_x</p:attrName>
+                                        </p:attrNameLst>
+                                      </p:cBhvr>
+                                      <p:tavLst>
+                                        <p:tav tm="0">
+                                          <p:val>
+                                            <p:strVal val="1+#ppt_w/2"/>
+                                          </p:val>
+                                        </p:tav>
+                                        <p:tav tm="100000">
+                                          <p:val>
+                                            <p:strVal val="#ppt_x"/>
+                                          </p:val>
+                                        </p:tav>
+                                      </p:tavLst>
+                                    </p:anim>
+                                    <p:anim calcmode="lin" valueType="num">
+                                      <p:cBhvr additive="base">
+                                        <p:cTn id="8" dur="500" fill="hold"/>
+                                        <p:tgtEl>
+                                          <p:spTgt spid="4"/>
+                                        </p:tgtEl>
+                                        <p:attrNameLst>
+                                          <p:attrName>ppt_y</p:attrName>
+                                        </p:attrNameLst>
+                                      </p:cBhvr>
+                                      <p:tavLst>
+                                        <p:tav tm="0">
+                                          <p:val>
+                                            <p:strVal val="#ppt_y"/>
+                                          </p:val>
+                                        </p:tav>
+                                        <p:tav tm="100000">
+                                          <p:val>
+                                            <p:strVal val="#ppt_y"/>
+                                          </p:val>
+                                        </p:tav>
+                                      </p:tavLst>
+                                    </p:anim>
+                                  </p:childTnLst>
+                                  <p:subTnLst>
+                                    <p:audio>
+                                      <p:cMediaNode>
+                                        <p:cTn display="0" masterRel="sameClick">
+                                          <p:stCondLst>
+                                            <p:cond evt="begin" delay="0">
+                                              <p:tn val="5"/>
+                                            </p:cond>
+                                          </p:stCondLst>
+                                          <p:endCondLst>
+                                            <p:cond evt="onStopAudio" delay="0">
+                                              <p:tgtEl>
+                                                <p:sldTgt/>
+                                              </p:tgtEl>
+                                            </p:cond>
+                                          </p:endCondLst>
+                                        </p:cTn>
+                                        <p:tgtEl>
+                                          <p:sndTgt r:embed="rId2" name="suction.wav"/>
+                                        </p:tgtEl>
+                                      </p:cMediaNode>
+                                    </p:audio>
+                                  </p:subTnLst>
+                                </p:cTn>
+                              </p:par>
+                            </p:childTnLst>
+                          </p:cTn>
+                        </p:par>
+                      </p:childTnLst>
+                    </p:cTn>
+                  </p:par>
+                </p:childTnLst>
+              </p:cTn>
+              <p:prevCondLst>
+                <p:cond evt="onPrev" delay="0">
+                  <p:tgtEl>
+                    <p:sldTgt/>
+                  </p:tgtEl>
+                </p:cond>
+              </p:prevCondLst>
+              <p:nextCondLst>
+                <p:cond evt="onNext" delay="0">
+                  <p:tgtEl>
+                    <p:sldTgt/>
+                  </p:tgtEl>
+                </p:cond>
+              </p:nextCondLst>
+            </p:seq>
+          </p:childTnLst>
+        </p:cTn>
+      </p:par>
+    </p:tnLst>
+    <p:bldLst>
+      <p:bldP spid="4" grpId="0" animBg="1"/>
+    </p:bldLst>
+  </p:timing>
 </p:sld>
 </file>
 
@@ -11318,6 +15186,55 @@
           </a:p>
         </p:txBody>
       </p:sp>
+      <p:sp>
+        <p:nvSpPr>
+          <p:cNvPr id="4" name="Left Arrow 3">
+            <a:extLst>
+              <a:ext uri="{FF2B5EF4-FFF2-40B4-BE49-F238E27FC236}">
+                <a16:creationId xmlns:a16="http://schemas.microsoft.com/office/drawing/2014/main" id="{6D0C1F3A-236D-5A47-9B50-60C12999A644}"/>
+              </a:ext>
+            </a:extLst>
+          </p:cNvPr>
+          <p:cNvSpPr/>
+          <p:nvPr/>
+        </p:nvSpPr>
+        <p:spPr>
+          <a:xfrm>
+            <a:off x="8371735" y="5963252"/>
+            <a:ext cx="1359407" cy="633984"/>
+          </a:xfrm>
+          <a:prstGeom prst="leftArrow">
+            <a:avLst/>
+          </a:prstGeom>
+        </p:spPr>
+        <p:style>
+          <a:lnRef idx="2">
+            <a:schemeClr val="accent1">
+              <a:shade val="50000"/>
+            </a:schemeClr>
+          </a:lnRef>
+          <a:fillRef idx="1">
+            <a:schemeClr val="accent1"/>
+          </a:fillRef>
+          <a:effectRef idx="0">
+            <a:schemeClr val="accent1"/>
+          </a:effectRef>
+          <a:fontRef idx="minor">
+            <a:schemeClr val="lt1"/>
+          </a:fontRef>
+        </p:style>
+        <p:txBody>
+          <a:bodyPr rtlCol="0" anchor="ctr"/>
+          <a:lstStyle/>
+          <a:p>
+            <a:pPr algn="ctr"/>
+            <a:r>
+              <a:rPr lang="en-US" dirty="0"/>
+              <a:t>$2580</a:t>
+            </a:r>
+          </a:p>
+        </p:txBody>
+      </p:sp>
     </p:spTree>
     <p:extLst>
       <p:ext uri="{BB962C8B-B14F-4D97-AF65-F5344CB8AC3E}">
@@ -11328,6 +15245,153 @@
   <p:clrMapOvr>
     <a:masterClrMapping/>
   </p:clrMapOvr>
+  <p:timing>
+    <p:tnLst>
+      <p:par>
+        <p:cTn id="1" dur="indefinite" restart="never" nodeType="tmRoot">
+          <p:childTnLst>
+            <p:seq concurrent="1" nextAc="seek">
+              <p:cTn id="2" dur="indefinite" nodeType="mainSeq">
+                <p:childTnLst>
+                  <p:par>
+                    <p:cTn id="3" fill="hold">
+                      <p:stCondLst>
+                        <p:cond delay="indefinite"/>
+                      </p:stCondLst>
+                      <p:childTnLst>
+                        <p:par>
+                          <p:cTn id="4" fill="hold">
+                            <p:stCondLst>
+                              <p:cond delay="0"/>
+                            </p:stCondLst>
+                            <p:childTnLst>
+                              <p:par>
+                                <p:cTn id="5" presetID="2" presetClass="entr" presetSubtype="2" fill="hold" grpId="0" nodeType="clickEffect">
+                                  <p:stCondLst>
+                                    <p:cond delay="0"/>
+                                  </p:stCondLst>
+                                  <p:childTnLst>
+                                    <p:set>
+                                      <p:cBhvr>
+                                        <p:cTn id="6" dur="1" fill="hold">
+                                          <p:stCondLst>
+                                            <p:cond delay="0"/>
+                                          </p:stCondLst>
+                                        </p:cTn>
+                                        <p:tgtEl>
+                                          <p:spTgt spid="4"/>
+                                        </p:tgtEl>
+                                        <p:attrNameLst>
+                                          <p:attrName>style.visibility</p:attrName>
+                                        </p:attrNameLst>
+                                      </p:cBhvr>
+                                      <p:to>
+                                        <p:strVal val="visible"/>
+                                      </p:to>
+                                    </p:set>
+                                    <p:anim calcmode="lin" valueType="num">
+                                      <p:cBhvr additive="base">
+                                        <p:cTn id="7" dur="500" fill="hold"/>
+                                        <p:tgtEl>
+                                          <p:spTgt spid="4"/>
+                                        </p:tgtEl>
+                                        <p:attrNameLst>
+                                          <p:attrName>ppt_x</p:attrName>
+                                        </p:attrNameLst>
+                                      </p:cBhvr>
+                                      <p:tavLst>
+                                        <p:tav tm="0">
+                                          <p:val>
+                                            <p:strVal val="1+#ppt_w/2"/>
+                                          </p:val>
+                                        </p:tav>
+                                        <p:tav tm="100000">
+                                          <p:val>
+                                            <p:strVal val="#ppt_x"/>
+                                          </p:val>
+                                        </p:tav>
+                                      </p:tavLst>
+                                    </p:anim>
+                                    <p:anim calcmode="lin" valueType="num">
+                                      <p:cBhvr additive="base">
+                                        <p:cTn id="8" dur="500" fill="hold"/>
+                                        <p:tgtEl>
+                                          <p:spTgt spid="4"/>
+                                        </p:tgtEl>
+                                        <p:attrNameLst>
+                                          <p:attrName>ppt_y</p:attrName>
+                                        </p:attrNameLst>
+                                      </p:cBhvr>
+                                      <p:tavLst>
+                                        <p:tav tm="0">
+                                          <p:val>
+                                            <p:strVal val="#ppt_y"/>
+                                          </p:val>
+                                        </p:tav>
+                                        <p:tav tm="100000">
+                                          <p:val>
+                                            <p:strVal val="#ppt_y"/>
+                                          </p:val>
+                                        </p:tav>
+                                      </p:tavLst>
+                                    </p:anim>
+                                  </p:childTnLst>
+                                  <p:subTnLst>
+                                    <p:audio>
+                                      <p:cMediaNode>
+                                        <p:cTn display="0" masterRel="sameClick">
+                                          <p:stCondLst>
+                                            <p:cond evt="begin" delay="0">
+                                              <p:tn val="5"/>
+                                            </p:cond>
+                                          </p:stCondLst>
+                                          <p:endCondLst>
+                                            <p:cond evt="onStopAudio" delay="0">
+                                              <p:tgtEl>
+                                                <p:sldTgt/>
+                                              </p:tgtEl>
+                                            </p:cond>
+                                          </p:endCondLst>
+                                        </p:cTn>
+                                        <p:tgtEl>
+                                          <p:sndTgt r:embed="rId2" name="suction.wav"/>
+                                        </p:tgtEl>
+                                      </p:cMediaNode>
+                                    </p:audio>
+                                  </p:subTnLst>
+                                </p:cTn>
+                              </p:par>
+                            </p:childTnLst>
+                          </p:cTn>
+                        </p:par>
+                      </p:childTnLst>
+                    </p:cTn>
+                  </p:par>
+                </p:childTnLst>
+              </p:cTn>
+              <p:prevCondLst>
+                <p:cond evt="onPrev" delay="0">
+                  <p:tgtEl>
+                    <p:sldTgt/>
+                  </p:tgtEl>
+                </p:cond>
+              </p:prevCondLst>
+              <p:nextCondLst>
+                <p:cond evt="onNext" delay="0">
+                  <p:tgtEl>
+                    <p:sldTgt/>
+                  </p:tgtEl>
+                </p:cond>
+              </p:nextCondLst>
+            </p:seq>
+          </p:childTnLst>
+        </p:cTn>
+      </p:par>
+    </p:tnLst>
+    <p:bldLst>
+      <p:bldP spid="4" grpId="0" animBg="1"/>
+    </p:bldLst>
+  </p:timing>
 </p:sld>
 </file>
 
